--- a/SW04a Recap Schwegler Weber.pptx
+++ b/SW04a Recap Schwegler Weber.pptx
@@ -8,9 +8,12 @@
     <p:sldId id="256" r:id="rId2"/>
     <p:sldId id="257" r:id="rId3"/>
     <p:sldId id="261" r:id="rId4"/>
-    <p:sldId id="258" r:id="rId5"/>
-    <p:sldId id="259" r:id="rId6"/>
-    <p:sldId id="260" r:id="rId7"/>
+    <p:sldId id="262" r:id="rId5"/>
+    <p:sldId id="264" r:id="rId6"/>
+    <p:sldId id="263" r:id="rId7"/>
+    <p:sldId id="258" r:id="rId8"/>
+    <p:sldId id="259" r:id="rId9"/>
+    <p:sldId id="260" r:id="rId10"/>
   </p:sldIdLst>
   <p:sldSz cx="12192000" cy="6858000"/>
   <p:notesSz cx="6858000" cy="9144000"/>
@@ -109,6 +112,11 @@
       </a:defRPr>
     </a:lvl9pPr>
   </p:defaultTextStyle>
+  <p:extLst>
+    <p:ext uri="{EFAFB233-063F-42B5-8137-9DF3F51BA10A}">
+      <p15:sldGuideLst xmlns:p15="http://schemas.microsoft.com/office/powerpoint/2012/main"/>
+    </p:ext>
+  </p:extLst>
 </p:presentation>
 </file>
 
@@ -243,7 +251,7 @@
           <a:p>
             <a:fld id="{CD13E544-956D-48D1-BB8A-41A2046CF606}" type="datetimeFigureOut">
               <a:rPr lang="de-CH" smtClean="0"/>
-              <a:t>12.10.2016</a:t>
+              <a:t>13.10.2016</a:t>
             </a:fld>
             <a:endParaRPr lang="de-CH"/>
           </a:p>
@@ -413,7 +421,7 @@
           <a:p>
             <a:fld id="{CD13E544-956D-48D1-BB8A-41A2046CF606}" type="datetimeFigureOut">
               <a:rPr lang="de-CH" smtClean="0"/>
-              <a:t>12.10.2016</a:t>
+              <a:t>13.10.2016</a:t>
             </a:fld>
             <a:endParaRPr lang="de-CH"/>
           </a:p>
@@ -593,7 +601,7 @@
           <a:p>
             <a:fld id="{CD13E544-956D-48D1-BB8A-41A2046CF606}" type="datetimeFigureOut">
               <a:rPr lang="de-CH" smtClean="0"/>
-              <a:t>12.10.2016</a:t>
+              <a:t>13.10.2016</a:t>
             </a:fld>
             <a:endParaRPr lang="de-CH"/>
           </a:p>
@@ -763,7 +771,7 @@
           <a:p>
             <a:fld id="{CD13E544-956D-48D1-BB8A-41A2046CF606}" type="datetimeFigureOut">
               <a:rPr lang="de-CH" smtClean="0"/>
-              <a:t>12.10.2016</a:t>
+              <a:t>13.10.2016</a:t>
             </a:fld>
             <a:endParaRPr lang="de-CH"/>
           </a:p>
@@ -1009,7 +1017,7 @@
           <a:p>
             <a:fld id="{CD13E544-956D-48D1-BB8A-41A2046CF606}" type="datetimeFigureOut">
               <a:rPr lang="de-CH" smtClean="0"/>
-              <a:t>12.10.2016</a:t>
+              <a:t>13.10.2016</a:t>
             </a:fld>
             <a:endParaRPr lang="de-CH"/>
           </a:p>
@@ -1241,7 +1249,7 @@
           <a:p>
             <a:fld id="{CD13E544-956D-48D1-BB8A-41A2046CF606}" type="datetimeFigureOut">
               <a:rPr lang="de-CH" smtClean="0"/>
-              <a:t>12.10.2016</a:t>
+              <a:t>13.10.2016</a:t>
             </a:fld>
             <a:endParaRPr lang="de-CH"/>
           </a:p>
@@ -1608,7 +1616,7 @@
           <a:p>
             <a:fld id="{CD13E544-956D-48D1-BB8A-41A2046CF606}" type="datetimeFigureOut">
               <a:rPr lang="de-CH" smtClean="0"/>
-              <a:t>12.10.2016</a:t>
+              <a:t>13.10.2016</a:t>
             </a:fld>
             <a:endParaRPr lang="de-CH"/>
           </a:p>
@@ -1726,7 +1734,7 @@
           <a:p>
             <a:fld id="{CD13E544-956D-48D1-BB8A-41A2046CF606}" type="datetimeFigureOut">
               <a:rPr lang="de-CH" smtClean="0"/>
-              <a:t>12.10.2016</a:t>
+              <a:t>13.10.2016</a:t>
             </a:fld>
             <a:endParaRPr lang="de-CH"/>
           </a:p>
@@ -1821,7 +1829,7 @@
           <a:p>
             <a:fld id="{CD13E544-956D-48D1-BB8A-41A2046CF606}" type="datetimeFigureOut">
               <a:rPr lang="de-CH" smtClean="0"/>
-              <a:t>12.10.2016</a:t>
+              <a:t>13.10.2016</a:t>
             </a:fld>
             <a:endParaRPr lang="de-CH"/>
           </a:p>
@@ -2098,7 +2106,7 @@
           <a:p>
             <a:fld id="{CD13E544-956D-48D1-BB8A-41A2046CF606}" type="datetimeFigureOut">
               <a:rPr lang="de-CH" smtClean="0"/>
-              <a:t>12.10.2016</a:t>
+              <a:t>13.10.2016</a:t>
             </a:fld>
             <a:endParaRPr lang="de-CH"/>
           </a:p>
@@ -2351,7 +2359,7 @@
           <a:p>
             <a:fld id="{CD13E544-956D-48D1-BB8A-41A2046CF606}" type="datetimeFigureOut">
               <a:rPr lang="de-CH" smtClean="0"/>
-              <a:t>12.10.2016</a:t>
+              <a:t>13.10.2016</a:t>
             </a:fld>
             <a:endParaRPr lang="de-CH"/>
           </a:p>
@@ -2564,7 +2572,7 @@
           <a:p>
             <a:fld id="{CD13E544-956D-48D1-BB8A-41A2046CF606}" type="datetimeFigureOut">
               <a:rPr lang="de-CH" smtClean="0"/>
-              <a:t>12.10.2016</a:t>
+              <a:t>13.10.2016</a:t>
             </a:fld>
             <a:endParaRPr lang="de-CH"/>
           </a:p>
@@ -3099,6 +3107,13 @@
             </a:r>
           </a:p>
           <a:p>
+            <a:pPr lvl="1"/>
+            <a:r>
+              <a:rPr lang="de-CH" dirty="0"/>
+              <a:t>d</a:t>
+            </a:r>
+          </a:p>
+          <a:p>
             <a:r>
               <a:rPr lang="de-CH" dirty="0" err="1"/>
               <a:t>Sequential</a:t>
@@ -3106,6 +3121,13 @@
             <a:r>
               <a:rPr lang="de-CH" dirty="0"/>
               <a:t> State Machines</a:t>
+            </a:r>
+          </a:p>
+          <a:p>
+            <a:pPr lvl="1"/>
+            <a:r>
+              <a:rPr lang="de-CH" dirty="0"/>
+              <a:t>d</a:t>
             </a:r>
           </a:p>
         </p:txBody>
@@ -3155,29 +3177,37 @@
           <a:bodyPr/>
           <a:lstStyle/>
           <a:p>
-            <a:endParaRPr lang="de-CH"/>
-          </a:p>
-        </p:txBody>
-      </p:sp>
-      <p:sp>
-        <p:nvSpPr>
-          <p:cNvPr id="3" name="Inhaltsplatzhalter 2"/>
-          <p:cNvSpPr>
-            <a:spLocks noGrp="1"/>
-          </p:cNvSpPr>
-          <p:nvPr>
-            <p:ph idx="1"/>
-          </p:nvPr>
-        </p:nvSpPr>
-        <p:spPr/>
-        <p:txBody>
-          <a:bodyPr/>
-          <a:lstStyle/>
-          <a:p>
-            <a:endParaRPr lang="de-CH"/>
-          </a:p>
-        </p:txBody>
-      </p:sp>
+            <a:r>
+              <a:rPr lang="de-CH" dirty="0"/>
+              <a:t>Simple Events</a:t>
+            </a:r>
+          </a:p>
+        </p:txBody>
+      </p:sp>
+      <p:pic>
+        <p:nvPicPr>
+          <p:cNvPr id="4" name="Grafik 3"/>
+          <p:cNvPicPr>
+            <a:picLocks noChangeAspect="1"/>
+          </p:cNvPicPr>
+          <p:nvPr/>
+        </p:nvPicPr>
+        <p:blipFill>
+          <a:blip r:embed="rId2"/>
+          <a:stretch>
+            <a:fillRect/>
+          </a:stretch>
+        </p:blipFill>
+        <p:spPr>
+          <a:xfrm>
+            <a:off x="838200" y="1442594"/>
+            <a:ext cx="7811590" cy="4410691"/>
+          </a:xfrm>
+          <a:prstGeom prst="rect">
+            <a:avLst/>
+          </a:prstGeom>
+        </p:spPr>
+      </p:pic>
     </p:spTree>
     <p:extLst>
       <p:ext uri="{BB962C8B-B14F-4D97-AF65-F5344CB8AC3E}">
@@ -3225,34 +3255,39 @@
           <a:p>
             <a:r>
               <a:rPr lang="de-CH" dirty="0"/>
-              <a:t>Fragen?</a:t>
-            </a:r>
-          </a:p>
-        </p:txBody>
-      </p:sp>
-      <p:sp>
-        <p:nvSpPr>
-          <p:cNvPr id="3" name="Inhaltsplatzhalter 2"/>
-          <p:cNvSpPr>
-            <a:spLocks noGrp="1"/>
-          </p:cNvSpPr>
-          <p:nvPr>
-            <p:ph idx="1"/>
-          </p:nvPr>
-        </p:nvSpPr>
-        <p:spPr/>
-        <p:txBody>
-          <a:bodyPr/>
-          <a:lstStyle/>
-          <a:p>
-            <a:endParaRPr lang="de-CH"/>
-          </a:p>
-        </p:txBody>
-      </p:sp>
+              <a:t>Simple Events</a:t>
+            </a:r>
+          </a:p>
+        </p:txBody>
+      </p:sp>
+      <p:pic>
+        <p:nvPicPr>
+          <p:cNvPr id="4" name="Grafik 3"/>
+          <p:cNvPicPr>
+            <a:picLocks noChangeAspect="1"/>
+          </p:cNvPicPr>
+          <p:nvPr/>
+        </p:nvPicPr>
+        <p:blipFill>
+          <a:blip r:embed="rId2"/>
+          <a:stretch>
+            <a:fillRect/>
+          </a:stretch>
+        </p:blipFill>
+        <p:spPr>
+          <a:xfrm>
+            <a:off x="838200" y="1690688"/>
+            <a:ext cx="7173326" cy="4086795"/>
+          </a:xfrm>
+          <a:prstGeom prst="rect">
+            <a:avLst/>
+          </a:prstGeom>
+        </p:spPr>
+      </p:pic>
     </p:spTree>
     <p:extLst>
       <p:ext uri="{BB962C8B-B14F-4D97-AF65-F5344CB8AC3E}">
-        <p14:creationId xmlns:p14="http://schemas.microsoft.com/office/powerpoint/2010/main" val="3647657539"/>
+        <p14:creationId xmlns:p14="http://schemas.microsoft.com/office/powerpoint/2010/main" val="997160109"/>
       </p:ext>
     </p:extLst>
   </p:cSld>
@@ -3296,6 +3331,224 @@
           <a:p>
             <a:r>
               <a:rPr lang="de-CH" dirty="0"/>
+              <a:t>Simple Events</a:t>
+            </a:r>
+          </a:p>
+        </p:txBody>
+      </p:sp>
+      <p:pic>
+        <p:nvPicPr>
+          <p:cNvPr id="4" name="Grafik 3"/>
+          <p:cNvPicPr>
+            <a:picLocks noChangeAspect="1"/>
+          </p:cNvPicPr>
+          <p:nvPr/>
+        </p:nvPicPr>
+        <p:blipFill>
+          <a:blip r:embed="rId2"/>
+          <a:stretch>
+            <a:fillRect/>
+          </a:stretch>
+        </p:blipFill>
+        <p:spPr>
+          <a:xfrm>
+            <a:off x="838200" y="1690688"/>
+            <a:ext cx="8132370" cy="3911622"/>
+          </a:xfrm>
+          <a:prstGeom prst="rect">
+            <a:avLst/>
+          </a:prstGeom>
+        </p:spPr>
+      </p:pic>
+    </p:spTree>
+    <p:extLst>
+      <p:ext uri="{BB962C8B-B14F-4D97-AF65-F5344CB8AC3E}">
+        <p14:creationId xmlns:p14="http://schemas.microsoft.com/office/powerpoint/2010/main" val="1013485691"/>
+      </p:ext>
+    </p:extLst>
+  </p:cSld>
+  <p:clrMapOvr>
+    <a:masterClrMapping/>
+  </p:clrMapOvr>
+</p:sld>
+</file>
+
+<file path=ppt/slides/slide6.xml><?xml version="1.0" encoding="utf-8"?>
+<p:sld xmlns:a="http://schemas.openxmlformats.org/drawingml/2006/main" xmlns:r="http://schemas.openxmlformats.org/officeDocument/2006/relationships" xmlns:p="http://schemas.openxmlformats.org/presentationml/2006/main">
+  <p:cSld>
+    <p:spTree>
+      <p:nvGrpSpPr>
+        <p:cNvPr id="1" name=""/>
+        <p:cNvGrpSpPr/>
+        <p:nvPr/>
+      </p:nvGrpSpPr>
+      <p:grpSpPr>
+        <a:xfrm>
+          <a:off x="0" y="0"/>
+          <a:ext cx="0" cy="0"/>
+          <a:chOff x="0" y="0"/>
+          <a:chExt cx="0" cy="0"/>
+        </a:xfrm>
+      </p:grpSpPr>
+      <p:sp>
+        <p:nvSpPr>
+          <p:cNvPr id="2" name="Titel 1"/>
+          <p:cNvSpPr>
+            <a:spLocks noGrp="1"/>
+          </p:cNvSpPr>
+          <p:nvPr>
+            <p:ph type="title"/>
+          </p:nvPr>
+        </p:nvSpPr>
+        <p:spPr/>
+        <p:txBody>
+          <a:bodyPr/>
+          <a:lstStyle/>
+          <a:p>
+            <a:r>
+              <a:rPr lang="de-CH" dirty="0"/>
+              <a:t>Simple Events</a:t>
+            </a:r>
+          </a:p>
+        </p:txBody>
+      </p:sp>
+      <p:sp>
+        <p:nvSpPr>
+          <p:cNvPr id="3" name="Inhaltsplatzhalter 2"/>
+          <p:cNvSpPr>
+            <a:spLocks noGrp="1"/>
+          </p:cNvSpPr>
+          <p:nvPr>
+            <p:ph idx="1"/>
+          </p:nvPr>
+        </p:nvSpPr>
+        <p:spPr/>
+        <p:txBody>
+          <a:bodyPr/>
+          <a:lstStyle/>
+          <a:p>
+            <a:endParaRPr lang="de-CH"/>
+          </a:p>
+        </p:txBody>
+      </p:sp>
+    </p:spTree>
+    <p:extLst>
+      <p:ext uri="{BB962C8B-B14F-4D97-AF65-F5344CB8AC3E}">
+        <p14:creationId xmlns:p14="http://schemas.microsoft.com/office/powerpoint/2010/main" val="3094366253"/>
+      </p:ext>
+    </p:extLst>
+  </p:cSld>
+  <p:clrMapOvr>
+    <a:masterClrMapping/>
+  </p:clrMapOvr>
+</p:sld>
+</file>
+
+<file path=ppt/slides/slide7.xml><?xml version="1.0" encoding="utf-8"?>
+<p:sld xmlns:a="http://schemas.openxmlformats.org/drawingml/2006/main" xmlns:r="http://schemas.openxmlformats.org/officeDocument/2006/relationships" xmlns:p="http://schemas.openxmlformats.org/presentationml/2006/main">
+  <p:cSld>
+    <p:spTree>
+      <p:nvGrpSpPr>
+        <p:cNvPr id="1" name=""/>
+        <p:cNvGrpSpPr/>
+        <p:nvPr/>
+      </p:nvGrpSpPr>
+      <p:grpSpPr>
+        <a:xfrm>
+          <a:off x="0" y="0"/>
+          <a:ext cx="0" cy="0"/>
+          <a:chOff x="0" y="0"/>
+          <a:chExt cx="0" cy="0"/>
+        </a:xfrm>
+      </p:grpSpPr>
+      <p:sp>
+        <p:nvSpPr>
+          <p:cNvPr id="2" name="Titel 1"/>
+          <p:cNvSpPr>
+            <a:spLocks noGrp="1"/>
+          </p:cNvSpPr>
+          <p:nvPr>
+            <p:ph type="title"/>
+          </p:nvPr>
+        </p:nvSpPr>
+        <p:spPr/>
+        <p:txBody>
+          <a:bodyPr/>
+          <a:lstStyle/>
+          <a:p>
+            <a:r>
+              <a:rPr lang="de-CH" dirty="0"/>
+              <a:t>Fragen?</a:t>
+            </a:r>
+          </a:p>
+        </p:txBody>
+      </p:sp>
+      <p:sp>
+        <p:nvSpPr>
+          <p:cNvPr id="3" name="Inhaltsplatzhalter 2"/>
+          <p:cNvSpPr>
+            <a:spLocks noGrp="1"/>
+          </p:cNvSpPr>
+          <p:nvPr>
+            <p:ph idx="1"/>
+          </p:nvPr>
+        </p:nvSpPr>
+        <p:spPr/>
+        <p:txBody>
+          <a:bodyPr/>
+          <a:lstStyle/>
+          <a:p>
+            <a:endParaRPr lang="de-CH"/>
+          </a:p>
+        </p:txBody>
+      </p:sp>
+    </p:spTree>
+    <p:extLst>
+      <p:ext uri="{BB962C8B-B14F-4D97-AF65-F5344CB8AC3E}">
+        <p14:creationId xmlns:p14="http://schemas.microsoft.com/office/powerpoint/2010/main" val="3647657539"/>
+      </p:ext>
+    </p:extLst>
+  </p:cSld>
+  <p:clrMapOvr>
+    <a:masterClrMapping/>
+  </p:clrMapOvr>
+</p:sld>
+</file>
+
+<file path=ppt/slides/slide8.xml><?xml version="1.0" encoding="utf-8"?>
+<p:sld xmlns:a="http://schemas.openxmlformats.org/drawingml/2006/main" xmlns:r="http://schemas.openxmlformats.org/officeDocument/2006/relationships" xmlns:p="http://schemas.openxmlformats.org/presentationml/2006/main">
+  <p:cSld>
+    <p:spTree>
+      <p:nvGrpSpPr>
+        <p:cNvPr id="1" name=""/>
+        <p:cNvGrpSpPr/>
+        <p:nvPr/>
+      </p:nvGrpSpPr>
+      <p:grpSpPr>
+        <a:xfrm>
+          <a:off x="0" y="0"/>
+          <a:ext cx="0" cy="0"/>
+          <a:chOff x="0" y="0"/>
+          <a:chExt cx="0" cy="0"/>
+        </a:xfrm>
+      </p:grpSpPr>
+      <p:sp>
+        <p:nvSpPr>
+          <p:cNvPr id="2" name="Titel 1"/>
+          <p:cNvSpPr>
+            <a:spLocks noGrp="1"/>
+          </p:cNvSpPr>
+          <p:nvPr>
+            <p:ph type="title"/>
+          </p:nvPr>
+        </p:nvSpPr>
+        <p:spPr/>
+        <p:txBody>
+          <a:bodyPr/>
+          <a:lstStyle/>
+          <a:p>
+            <a:r>
+              <a:rPr lang="de-CH" dirty="0"/>
               <a:t>Quiz</a:t>
             </a:r>
           </a:p>
@@ -3333,7 +3586,7 @@
 </p:sld>
 </file>
 
-<file path=ppt/slides/slide6.xml><?xml version="1.0" encoding="utf-8"?>
+<file path=ppt/slides/slide9.xml><?xml version="1.0" encoding="utf-8"?>
 <p:sld xmlns:a="http://schemas.openxmlformats.org/drawingml/2006/main" xmlns:r="http://schemas.openxmlformats.org/officeDocument/2006/relationships" xmlns:p="http://schemas.openxmlformats.org/presentationml/2006/main">
   <p:cSld>
     <p:spTree>

--- a/SW04a Recap Schwegler Weber.pptx
+++ b/SW04a Recap Schwegler Weber.pptx
@@ -7,13 +7,20 @@
   <p:sldIdLst>
     <p:sldId id="256" r:id="rId2"/>
     <p:sldId id="257" r:id="rId3"/>
-    <p:sldId id="261" r:id="rId4"/>
-    <p:sldId id="262" r:id="rId5"/>
-    <p:sldId id="264" r:id="rId6"/>
-    <p:sldId id="263" r:id="rId7"/>
-    <p:sldId id="258" r:id="rId8"/>
-    <p:sldId id="259" r:id="rId9"/>
-    <p:sldId id="260" r:id="rId10"/>
+    <p:sldId id="265" r:id="rId4"/>
+    <p:sldId id="261" r:id="rId5"/>
+    <p:sldId id="262" r:id="rId6"/>
+    <p:sldId id="264" r:id="rId7"/>
+    <p:sldId id="263" r:id="rId8"/>
+    <p:sldId id="266" r:id="rId9"/>
+    <p:sldId id="268" r:id="rId10"/>
+    <p:sldId id="267" r:id="rId11"/>
+    <p:sldId id="269" r:id="rId12"/>
+    <p:sldId id="270" r:id="rId13"/>
+    <p:sldId id="271" r:id="rId14"/>
+    <p:sldId id="258" r:id="rId15"/>
+    <p:sldId id="259" r:id="rId16"/>
+    <p:sldId id="260" r:id="rId17"/>
   </p:sldIdLst>
   <p:sldSz cx="12192000" cy="6858000"/>
   <p:notesSz cx="6858000" cy="9144000"/>
@@ -251,7 +258,7 @@
           <a:p>
             <a:fld id="{CD13E544-956D-48D1-BB8A-41A2046CF606}" type="datetimeFigureOut">
               <a:rPr lang="de-CH" smtClean="0"/>
-              <a:t>13.10.2016</a:t>
+              <a:t>16.10.2016</a:t>
             </a:fld>
             <a:endParaRPr lang="de-CH"/>
           </a:p>
@@ -421,7 +428,7 @@
           <a:p>
             <a:fld id="{CD13E544-956D-48D1-BB8A-41A2046CF606}" type="datetimeFigureOut">
               <a:rPr lang="de-CH" smtClean="0"/>
-              <a:t>13.10.2016</a:t>
+              <a:t>16.10.2016</a:t>
             </a:fld>
             <a:endParaRPr lang="de-CH"/>
           </a:p>
@@ -601,7 +608,7 @@
           <a:p>
             <a:fld id="{CD13E544-956D-48D1-BB8A-41A2046CF606}" type="datetimeFigureOut">
               <a:rPr lang="de-CH" smtClean="0"/>
-              <a:t>13.10.2016</a:t>
+              <a:t>16.10.2016</a:t>
             </a:fld>
             <a:endParaRPr lang="de-CH"/>
           </a:p>
@@ -771,7 +778,7 @@
           <a:p>
             <a:fld id="{CD13E544-956D-48D1-BB8A-41A2046CF606}" type="datetimeFigureOut">
               <a:rPr lang="de-CH" smtClean="0"/>
-              <a:t>13.10.2016</a:t>
+              <a:t>16.10.2016</a:t>
             </a:fld>
             <a:endParaRPr lang="de-CH"/>
           </a:p>
@@ -1017,7 +1024,7 @@
           <a:p>
             <a:fld id="{CD13E544-956D-48D1-BB8A-41A2046CF606}" type="datetimeFigureOut">
               <a:rPr lang="de-CH" smtClean="0"/>
-              <a:t>13.10.2016</a:t>
+              <a:t>16.10.2016</a:t>
             </a:fld>
             <a:endParaRPr lang="de-CH"/>
           </a:p>
@@ -1249,7 +1256,7 @@
           <a:p>
             <a:fld id="{CD13E544-956D-48D1-BB8A-41A2046CF606}" type="datetimeFigureOut">
               <a:rPr lang="de-CH" smtClean="0"/>
-              <a:t>13.10.2016</a:t>
+              <a:t>16.10.2016</a:t>
             </a:fld>
             <a:endParaRPr lang="de-CH"/>
           </a:p>
@@ -1616,7 +1623,7 @@
           <a:p>
             <a:fld id="{CD13E544-956D-48D1-BB8A-41A2046CF606}" type="datetimeFigureOut">
               <a:rPr lang="de-CH" smtClean="0"/>
-              <a:t>13.10.2016</a:t>
+              <a:t>16.10.2016</a:t>
             </a:fld>
             <a:endParaRPr lang="de-CH"/>
           </a:p>
@@ -1734,7 +1741,7 @@
           <a:p>
             <a:fld id="{CD13E544-956D-48D1-BB8A-41A2046CF606}" type="datetimeFigureOut">
               <a:rPr lang="de-CH" smtClean="0"/>
-              <a:t>13.10.2016</a:t>
+              <a:t>16.10.2016</a:t>
             </a:fld>
             <a:endParaRPr lang="de-CH"/>
           </a:p>
@@ -1829,7 +1836,7 @@
           <a:p>
             <a:fld id="{CD13E544-956D-48D1-BB8A-41A2046CF606}" type="datetimeFigureOut">
               <a:rPr lang="de-CH" smtClean="0"/>
-              <a:t>13.10.2016</a:t>
+              <a:t>16.10.2016</a:t>
             </a:fld>
             <a:endParaRPr lang="de-CH"/>
           </a:p>
@@ -2106,7 +2113,7 @@
           <a:p>
             <a:fld id="{CD13E544-956D-48D1-BB8A-41A2046CF606}" type="datetimeFigureOut">
               <a:rPr lang="de-CH" smtClean="0"/>
-              <a:t>13.10.2016</a:t>
+              <a:t>16.10.2016</a:t>
             </a:fld>
             <a:endParaRPr lang="de-CH"/>
           </a:p>
@@ -2359,7 +2366,7 @@
           <a:p>
             <a:fld id="{CD13E544-956D-48D1-BB8A-41A2046CF606}" type="datetimeFigureOut">
               <a:rPr lang="de-CH" smtClean="0"/>
-              <a:t>13.10.2016</a:t>
+              <a:t>16.10.2016</a:t>
             </a:fld>
             <a:endParaRPr lang="de-CH"/>
           </a:p>
@@ -2572,7 +2579,7 @@
           <a:p>
             <a:fld id="{CD13E544-956D-48D1-BB8A-41A2046CF606}" type="datetimeFigureOut">
               <a:rPr lang="de-CH" smtClean="0"/>
-              <a:t>13.10.2016</a:t>
+              <a:t>16.10.2016</a:t>
             </a:fld>
             <a:endParaRPr lang="de-CH"/>
           </a:p>
@@ -3047,6 +3054,788 @@
 </p:sld>
 </file>
 
+<file path=ppt/slides/slide10.xml><?xml version="1.0" encoding="utf-8"?>
+<p:sld xmlns:a="http://schemas.openxmlformats.org/drawingml/2006/main" xmlns:r="http://schemas.openxmlformats.org/officeDocument/2006/relationships" xmlns:p="http://schemas.openxmlformats.org/presentationml/2006/main">
+  <p:cSld>
+    <p:spTree>
+      <p:nvGrpSpPr>
+        <p:cNvPr id="1" name=""/>
+        <p:cNvGrpSpPr/>
+        <p:nvPr/>
+      </p:nvGrpSpPr>
+      <p:grpSpPr>
+        <a:xfrm>
+          <a:off x="0" y="0"/>
+          <a:ext cx="0" cy="0"/>
+          <a:chOff x="0" y="0"/>
+          <a:chExt cx="0" cy="0"/>
+        </a:xfrm>
+      </p:grpSpPr>
+      <p:sp>
+        <p:nvSpPr>
+          <p:cNvPr id="2" name="Titel 1"/>
+          <p:cNvSpPr>
+            <a:spLocks noGrp="1"/>
+          </p:cNvSpPr>
+          <p:nvPr>
+            <p:ph type="title"/>
+          </p:nvPr>
+        </p:nvSpPr>
+        <p:spPr/>
+        <p:txBody>
+          <a:bodyPr/>
+          <a:lstStyle/>
+          <a:p>
+            <a:r>
+              <a:rPr lang="de-CH" dirty="0"/>
+              <a:t>State Machines</a:t>
+            </a:r>
+          </a:p>
+        </p:txBody>
+      </p:sp>
+      <p:sp>
+        <p:nvSpPr>
+          <p:cNvPr id="3" name="Inhaltsplatzhalter 2"/>
+          <p:cNvSpPr>
+            <a:spLocks noGrp="1"/>
+          </p:cNvSpPr>
+          <p:nvPr>
+            <p:ph idx="1"/>
+          </p:nvPr>
+        </p:nvSpPr>
+        <p:spPr/>
+        <p:txBody>
+          <a:bodyPr/>
+          <a:lstStyle/>
+          <a:p>
+            <a:r>
+              <a:rPr lang="de-CH" dirty="0"/>
+              <a:t>Implementation</a:t>
+            </a:r>
+          </a:p>
+          <a:p>
+            <a:pPr lvl="1"/>
+            <a:r>
+              <a:rPr lang="de-CH" dirty="0"/>
+              <a:t>IF-ELSEIF-ELSE</a:t>
+            </a:r>
+          </a:p>
+          <a:p>
+            <a:pPr lvl="1"/>
+            <a:r>
+              <a:rPr lang="de-CH" dirty="0"/>
+              <a:t>SWITCH</a:t>
+            </a:r>
+          </a:p>
+          <a:p>
+            <a:pPr lvl="1"/>
+            <a:r>
+              <a:rPr lang="de-CH" dirty="0"/>
+              <a:t>Table (</a:t>
+            </a:r>
+            <a:r>
+              <a:rPr lang="de-CH" dirty="0" err="1"/>
+              <a:t>Mealy</a:t>
+            </a:r>
+            <a:r>
+              <a:rPr lang="de-CH" dirty="0"/>
+              <a:t> </a:t>
+            </a:r>
+            <a:r>
+              <a:rPr lang="de-CH" dirty="0" err="1"/>
+              <a:t>Sequential</a:t>
+            </a:r>
+            <a:r>
+              <a:rPr lang="de-CH" dirty="0"/>
+              <a:t>)</a:t>
+            </a:r>
+          </a:p>
+          <a:p>
+            <a:endParaRPr lang="de-CH" dirty="0"/>
+          </a:p>
+        </p:txBody>
+      </p:sp>
+      <p:pic>
+        <p:nvPicPr>
+          <p:cNvPr id="4" name="Grafik 3"/>
+          <p:cNvPicPr>
+            <a:picLocks noChangeAspect="1"/>
+          </p:cNvPicPr>
+          <p:nvPr/>
+        </p:nvPicPr>
+        <p:blipFill>
+          <a:blip r:embed="rId2"/>
+          <a:stretch>
+            <a:fillRect/>
+          </a:stretch>
+        </p:blipFill>
+        <p:spPr>
+          <a:xfrm>
+            <a:off x="1567988" y="3578966"/>
+            <a:ext cx="2733042" cy="1366521"/>
+          </a:xfrm>
+          <a:prstGeom prst="rect">
+            <a:avLst/>
+          </a:prstGeom>
+        </p:spPr>
+      </p:pic>
+      <p:pic>
+        <p:nvPicPr>
+          <p:cNvPr id="5" name="Grafik 4"/>
+          <p:cNvPicPr>
+            <a:picLocks noChangeAspect="1"/>
+          </p:cNvPicPr>
+          <p:nvPr/>
+        </p:nvPicPr>
+        <p:blipFill>
+          <a:blip r:embed="rId3"/>
+          <a:stretch>
+            <a:fillRect/>
+          </a:stretch>
+        </p:blipFill>
+        <p:spPr>
+          <a:xfrm>
+            <a:off x="5243092" y="1970359"/>
+            <a:ext cx="6948908" cy="4404575"/>
+          </a:xfrm>
+          <a:prstGeom prst="rect">
+            <a:avLst/>
+          </a:prstGeom>
+        </p:spPr>
+      </p:pic>
+    </p:spTree>
+    <p:extLst>
+      <p:ext uri="{BB962C8B-B14F-4D97-AF65-F5344CB8AC3E}">
+        <p14:creationId xmlns:p14="http://schemas.microsoft.com/office/powerpoint/2010/main" val="164233864"/>
+      </p:ext>
+    </p:extLst>
+  </p:cSld>
+  <p:clrMapOvr>
+    <a:masterClrMapping/>
+  </p:clrMapOvr>
+</p:sld>
+</file>
+
+<file path=ppt/slides/slide11.xml><?xml version="1.0" encoding="utf-8"?>
+<p:sld xmlns:a="http://schemas.openxmlformats.org/drawingml/2006/main" xmlns:r="http://schemas.openxmlformats.org/officeDocument/2006/relationships" xmlns:p="http://schemas.openxmlformats.org/presentationml/2006/main">
+  <p:cSld>
+    <p:spTree>
+      <p:nvGrpSpPr>
+        <p:cNvPr id="1" name=""/>
+        <p:cNvGrpSpPr/>
+        <p:nvPr/>
+      </p:nvGrpSpPr>
+      <p:grpSpPr>
+        <a:xfrm>
+          <a:off x="0" y="0"/>
+          <a:ext cx="0" cy="0"/>
+          <a:chOff x="0" y="0"/>
+          <a:chExt cx="0" cy="0"/>
+        </a:xfrm>
+      </p:grpSpPr>
+      <p:sp>
+        <p:nvSpPr>
+          <p:cNvPr id="2" name="Titel 1"/>
+          <p:cNvSpPr>
+            <a:spLocks noGrp="1"/>
+          </p:cNvSpPr>
+          <p:nvPr>
+            <p:ph type="title"/>
+          </p:nvPr>
+        </p:nvSpPr>
+        <p:spPr/>
+        <p:txBody>
+          <a:bodyPr/>
+          <a:lstStyle/>
+          <a:p>
+            <a:r>
+              <a:rPr lang="de-CH" dirty="0" err="1"/>
+              <a:t>Clock</a:t>
+            </a:r>
+            <a:r>
+              <a:rPr lang="de-CH" dirty="0"/>
+              <a:t> &amp; </a:t>
+            </a:r>
+            <a:r>
+              <a:rPr lang="de-CH" dirty="0" err="1"/>
+              <a:t>Timer</a:t>
+            </a:r>
+            <a:endParaRPr lang="de-CH" dirty="0"/>
+          </a:p>
+        </p:txBody>
+      </p:sp>
+      <p:sp>
+        <p:nvSpPr>
+          <p:cNvPr id="3" name="Inhaltsplatzhalter 2"/>
+          <p:cNvSpPr>
+            <a:spLocks noGrp="1"/>
+          </p:cNvSpPr>
+          <p:nvPr>
+            <p:ph idx="1"/>
+          </p:nvPr>
+        </p:nvSpPr>
+        <p:spPr/>
+        <p:txBody>
+          <a:bodyPr/>
+          <a:lstStyle/>
+          <a:p>
+            <a:endParaRPr lang="de-CH"/>
+          </a:p>
+        </p:txBody>
+      </p:sp>
+    </p:spTree>
+    <p:extLst>
+      <p:ext uri="{BB962C8B-B14F-4D97-AF65-F5344CB8AC3E}">
+        <p14:creationId xmlns:p14="http://schemas.microsoft.com/office/powerpoint/2010/main" val="3433125249"/>
+      </p:ext>
+    </p:extLst>
+  </p:cSld>
+  <p:clrMapOvr>
+    <a:masterClrMapping/>
+  </p:clrMapOvr>
+</p:sld>
+</file>
+
+<file path=ppt/slides/slide12.xml><?xml version="1.0" encoding="utf-8"?>
+<p:sld xmlns:a="http://schemas.openxmlformats.org/drawingml/2006/main" xmlns:r="http://schemas.openxmlformats.org/officeDocument/2006/relationships" xmlns:p="http://schemas.openxmlformats.org/presentationml/2006/main">
+  <p:cSld>
+    <p:spTree>
+      <p:nvGrpSpPr>
+        <p:cNvPr id="1" name=""/>
+        <p:cNvGrpSpPr/>
+        <p:nvPr/>
+      </p:nvGrpSpPr>
+      <p:grpSpPr>
+        <a:xfrm>
+          <a:off x="0" y="0"/>
+          <a:ext cx="0" cy="0"/>
+          <a:chOff x="0" y="0"/>
+          <a:chExt cx="0" cy="0"/>
+        </a:xfrm>
+      </p:grpSpPr>
+      <p:sp>
+        <p:nvSpPr>
+          <p:cNvPr id="2" name="Titel 1"/>
+          <p:cNvSpPr>
+            <a:spLocks noGrp="1"/>
+          </p:cNvSpPr>
+          <p:nvPr>
+            <p:ph type="title"/>
+          </p:nvPr>
+        </p:nvSpPr>
+        <p:spPr/>
+        <p:txBody>
+          <a:bodyPr/>
+          <a:lstStyle/>
+          <a:p>
+            <a:r>
+              <a:rPr lang="de-CH" dirty="0" err="1"/>
+              <a:t>Clock</a:t>
+            </a:r>
+            <a:r>
+              <a:rPr lang="de-CH" dirty="0"/>
+              <a:t> &amp; </a:t>
+            </a:r>
+            <a:r>
+              <a:rPr lang="de-CH" dirty="0" err="1"/>
+              <a:t>Timer</a:t>
+            </a:r>
+            <a:endParaRPr lang="de-CH" dirty="0"/>
+          </a:p>
+        </p:txBody>
+      </p:sp>
+      <p:pic>
+        <p:nvPicPr>
+          <p:cNvPr id="4" name="Inhaltsplatzhalter 3"/>
+          <p:cNvPicPr>
+            <a:picLocks noGrp="1" noChangeAspect="1"/>
+          </p:cNvPicPr>
+          <p:nvPr>
+            <p:ph idx="1"/>
+          </p:nvPr>
+        </p:nvPicPr>
+        <p:blipFill>
+          <a:blip r:embed="rId2"/>
+          <a:stretch>
+            <a:fillRect/>
+          </a:stretch>
+        </p:blipFill>
+        <p:spPr>
+          <a:xfrm>
+            <a:off x="838200" y="1580926"/>
+            <a:ext cx="7610341" cy="5082686"/>
+          </a:xfrm>
+          <a:prstGeom prst="rect">
+            <a:avLst/>
+          </a:prstGeom>
+        </p:spPr>
+      </p:pic>
+    </p:spTree>
+    <p:extLst>
+      <p:ext uri="{BB962C8B-B14F-4D97-AF65-F5344CB8AC3E}">
+        <p14:creationId xmlns:p14="http://schemas.microsoft.com/office/powerpoint/2010/main" val="2698803806"/>
+      </p:ext>
+    </p:extLst>
+  </p:cSld>
+  <p:clrMapOvr>
+    <a:masterClrMapping/>
+  </p:clrMapOvr>
+</p:sld>
+</file>
+
+<file path=ppt/slides/slide13.xml><?xml version="1.0" encoding="utf-8"?>
+<p:sld xmlns:a="http://schemas.openxmlformats.org/drawingml/2006/main" xmlns:r="http://schemas.openxmlformats.org/officeDocument/2006/relationships" xmlns:p="http://schemas.openxmlformats.org/presentationml/2006/main">
+  <p:cSld>
+    <p:spTree>
+      <p:nvGrpSpPr>
+        <p:cNvPr id="1" name=""/>
+        <p:cNvGrpSpPr/>
+        <p:nvPr/>
+      </p:nvGrpSpPr>
+      <p:grpSpPr>
+        <a:xfrm>
+          <a:off x="0" y="0"/>
+          <a:ext cx="0" cy="0"/>
+          <a:chOff x="0" y="0"/>
+          <a:chExt cx="0" cy="0"/>
+        </a:xfrm>
+      </p:grpSpPr>
+      <p:sp>
+        <p:nvSpPr>
+          <p:cNvPr id="2" name="Titel 1"/>
+          <p:cNvSpPr>
+            <a:spLocks noGrp="1"/>
+          </p:cNvSpPr>
+          <p:nvPr>
+            <p:ph type="title"/>
+          </p:nvPr>
+        </p:nvSpPr>
+        <p:spPr/>
+        <p:txBody>
+          <a:bodyPr/>
+          <a:lstStyle/>
+          <a:p>
+            <a:r>
+              <a:rPr lang="de-CH" dirty="0" err="1"/>
+              <a:t>Clock</a:t>
+            </a:r>
+            <a:r>
+              <a:rPr lang="de-CH" dirty="0"/>
+              <a:t> &amp; </a:t>
+            </a:r>
+            <a:r>
+              <a:rPr lang="de-CH" dirty="0" err="1"/>
+              <a:t>Timer</a:t>
+            </a:r>
+            <a:endParaRPr lang="de-CH" dirty="0"/>
+          </a:p>
+        </p:txBody>
+      </p:sp>
+      <p:pic>
+        <p:nvPicPr>
+          <p:cNvPr id="5" name="Inhaltsplatzhalter 4"/>
+          <p:cNvPicPr>
+            <a:picLocks noGrp="1" noChangeAspect="1"/>
+          </p:cNvPicPr>
+          <p:nvPr>
+            <p:ph idx="1"/>
+          </p:nvPr>
+        </p:nvPicPr>
+        <p:blipFill>
+          <a:blip r:embed="rId2"/>
+          <a:stretch>
+            <a:fillRect/>
+          </a:stretch>
+        </p:blipFill>
+        <p:spPr>
+          <a:xfrm>
+            <a:off x="838200" y="1580927"/>
+            <a:ext cx="8022465" cy="5127860"/>
+          </a:xfrm>
+          <a:prstGeom prst="rect">
+            <a:avLst/>
+          </a:prstGeom>
+        </p:spPr>
+      </p:pic>
+    </p:spTree>
+    <p:extLst>
+      <p:ext uri="{BB962C8B-B14F-4D97-AF65-F5344CB8AC3E}">
+        <p14:creationId xmlns:p14="http://schemas.microsoft.com/office/powerpoint/2010/main" val="2303513459"/>
+      </p:ext>
+    </p:extLst>
+  </p:cSld>
+  <p:clrMapOvr>
+    <a:masterClrMapping/>
+  </p:clrMapOvr>
+</p:sld>
+</file>
+
+<file path=ppt/slides/slide14.xml><?xml version="1.0" encoding="utf-8"?>
+<p:sld xmlns:a="http://schemas.openxmlformats.org/drawingml/2006/main" xmlns:r="http://schemas.openxmlformats.org/officeDocument/2006/relationships" xmlns:p="http://schemas.openxmlformats.org/presentationml/2006/main">
+  <p:cSld>
+    <p:spTree>
+      <p:nvGrpSpPr>
+        <p:cNvPr id="1" name=""/>
+        <p:cNvGrpSpPr/>
+        <p:nvPr/>
+      </p:nvGrpSpPr>
+      <p:grpSpPr>
+        <a:xfrm>
+          <a:off x="0" y="0"/>
+          <a:ext cx="0" cy="0"/>
+          <a:chOff x="0" y="0"/>
+          <a:chExt cx="0" cy="0"/>
+        </a:xfrm>
+      </p:grpSpPr>
+      <p:sp>
+        <p:nvSpPr>
+          <p:cNvPr id="2" name="Titel 1"/>
+          <p:cNvSpPr>
+            <a:spLocks noGrp="1"/>
+          </p:cNvSpPr>
+          <p:nvPr>
+            <p:ph type="title"/>
+          </p:nvPr>
+        </p:nvSpPr>
+        <p:spPr/>
+        <p:txBody>
+          <a:bodyPr/>
+          <a:lstStyle/>
+          <a:p>
+            <a:r>
+              <a:rPr lang="de-CH" dirty="0" err="1"/>
+              <a:t>Questions</a:t>
+            </a:r>
+            <a:r>
+              <a:rPr lang="de-CH" dirty="0"/>
+              <a:t>?</a:t>
+            </a:r>
+          </a:p>
+        </p:txBody>
+      </p:sp>
+      <p:sp>
+        <p:nvSpPr>
+          <p:cNvPr id="3" name="Inhaltsplatzhalter 2"/>
+          <p:cNvSpPr>
+            <a:spLocks noGrp="1"/>
+          </p:cNvSpPr>
+          <p:nvPr>
+            <p:ph idx="1"/>
+          </p:nvPr>
+        </p:nvSpPr>
+        <p:spPr/>
+        <p:txBody>
+          <a:bodyPr/>
+          <a:lstStyle/>
+          <a:p>
+            <a:endParaRPr lang="de-CH"/>
+          </a:p>
+        </p:txBody>
+      </p:sp>
+    </p:spTree>
+    <p:extLst>
+      <p:ext uri="{BB962C8B-B14F-4D97-AF65-F5344CB8AC3E}">
+        <p14:creationId xmlns:p14="http://schemas.microsoft.com/office/powerpoint/2010/main" val="3647657539"/>
+      </p:ext>
+    </p:extLst>
+  </p:cSld>
+  <p:clrMapOvr>
+    <a:masterClrMapping/>
+  </p:clrMapOvr>
+</p:sld>
+</file>
+
+<file path=ppt/slides/slide15.xml><?xml version="1.0" encoding="utf-8"?>
+<p:sld xmlns:a="http://schemas.openxmlformats.org/drawingml/2006/main" xmlns:r="http://schemas.openxmlformats.org/officeDocument/2006/relationships" xmlns:p="http://schemas.openxmlformats.org/presentationml/2006/main">
+  <p:cSld>
+    <p:spTree>
+      <p:nvGrpSpPr>
+        <p:cNvPr id="1" name=""/>
+        <p:cNvGrpSpPr/>
+        <p:nvPr/>
+      </p:nvGrpSpPr>
+      <p:grpSpPr>
+        <a:xfrm>
+          <a:off x="0" y="0"/>
+          <a:ext cx="0" cy="0"/>
+          <a:chOff x="0" y="0"/>
+          <a:chExt cx="0" cy="0"/>
+        </a:xfrm>
+      </p:grpSpPr>
+      <p:sp>
+        <p:nvSpPr>
+          <p:cNvPr id="2" name="Titel 1"/>
+          <p:cNvSpPr>
+            <a:spLocks noGrp="1"/>
+          </p:cNvSpPr>
+          <p:nvPr>
+            <p:ph type="title"/>
+          </p:nvPr>
+        </p:nvSpPr>
+        <p:spPr/>
+        <p:txBody>
+          <a:bodyPr/>
+          <a:lstStyle/>
+          <a:p>
+            <a:r>
+              <a:rPr lang="de-CH" dirty="0"/>
+              <a:t>Quiz</a:t>
+            </a:r>
+          </a:p>
+        </p:txBody>
+      </p:sp>
+      <p:sp>
+        <p:nvSpPr>
+          <p:cNvPr id="3" name="Inhaltsplatzhalter 2"/>
+          <p:cNvSpPr>
+            <a:spLocks noGrp="1"/>
+          </p:cNvSpPr>
+          <p:nvPr>
+            <p:ph idx="1"/>
+          </p:nvPr>
+        </p:nvSpPr>
+        <p:spPr/>
+        <p:txBody>
+          <a:bodyPr/>
+          <a:lstStyle/>
+          <a:p>
+            <a:r>
+              <a:rPr lang="de-CH" dirty="0" err="1"/>
+              <a:t>What</a:t>
+            </a:r>
+            <a:r>
+              <a:rPr lang="de-CH" dirty="0"/>
+              <a:t> </a:t>
+            </a:r>
+            <a:r>
+              <a:rPr lang="de-CH" dirty="0" err="1"/>
+              <a:t>are</a:t>
+            </a:r>
+            <a:r>
+              <a:rPr lang="de-CH" dirty="0"/>
+              <a:t> </a:t>
+            </a:r>
+            <a:r>
+              <a:rPr lang="de-CH" dirty="0" err="1"/>
+              <a:t>the</a:t>
+            </a:r>
+            <a:r>
+              <a:rPr lang="de-CH" dirty="0"/>
+              <a:t> </a:t>
+            </a:r>
+            <a:r>
+              <a:rPr lang="de-CH" dirty="0" err="1"/>
+              <a:t>rules</a:t>
+            </a:r>
+            <a:r>
+              <a:rPr lang="de-CH" dirty="0"/>
+              <a:t> </a:t>
+            </a:r>
+            <a:r>
+              <a:rPr lang="de-CH" dirty="0" err="1"/>
+              <a:t>for</a:t>
+            </a:r>
+            <a:r>
+              <a:rPr lang="de-CH" dirty="0"/>
+              <a:t> ISR?</a:t>
+            </a:r>
+          </a:p>
+          <a:p>
+            <a:r>
+              <a:rPr lang="de-CH" dirty="0"/>
+              <a:t>Name </a:t>
+            </a:r>
+            <a:r>
+              <a:rPr lang="de-CH" dirty="0" err="1"/>
+              <a:t>three</a:t>
+            </a:r>
+            <a:r>
+              <a:rPr lang="de-CH" dirty="0"/>
+              <a:t> </a:t>
+            </a:r>
+            <a:r>
+              <a:rPr lang="de-CH" dirty="0" err="1"/>
+              <a:t>Methods</a:t>
+            </a:r>
+            <a:r>
+              <a:rPr lang="de-CH" dirty="0"/>
+              <a:t> </a:t>
+            </a:r>
+            <a:r>
+              <a:rPr lang="de-CH" dirty="0" err="1"/>
+              <a:t>to</a:t>
+            </a:r>
+            <a:r>
+              <a:rPr lang="de-CH" dirty="0"/>
+              <a:t> </a:t>
+            </a:r>
+            <a:r>
+              <a:rPr lang="de-CH" dirty="0" err="1"/>
+              <a:t>implement</a:t>
+            </a:r>
+            <a:r>
+              <a:rPr lang="de-CH" dirty="0"/>
+              <a:t> a </a:t>
+            </a:r>
+            <a:r>
+              <a:rPr lang="de-CH" dirty="0" err="1"/>
+              <a:t>state</a:t>
+            </a:r>
+            <a:r>
+              <a:rPr lang="de-CH" dirty="0"/>
+              <a:t> </a:t>
+            </a:r>
+            <a:r>
+              <a:rPr lang="de-CH" dirty="0" err="1"/>
+              <a:t>machine</a:t>
+            </a:r>
+            <a:r>
+              <a:rPr lang="de-CH" dirty="0"/>
+              <a:t>?</a:t>
+            </a:r>
+          </a:p>
+          <a:p>
+            <a:r>
+              <a:rPr lang="de-CH" dirty="0" err="1"/>
+              <a:t>What</a:t>
+            </a:r>
+            <a:r>
+              <a:rPr lang="de-CH" dirty="0"/>
+              <a:t> </a:t>
+            </a:r>
+            <a:r>
+              <a:rPr lang="de-CH" dirty="0" err="1"/>
+              <a:t>is</a:t>
+            </a:r>
+            <a:r>
+              <a:rPr lang="de-CH" dirty="0"/>
+              <a:t> </a:t>
+            </a:r>
+            <a:r>
+              <a:rPr lang="de-CH" dirty="0" err="1"/>
+              <a:t>the</a:t>
+            </a:r>
+            <a:r>
+              <a:rPr lang="de-CH" dirty="0"/>
+              <a:t> </a:t>
+            </a:r>
+            <a:r>
+              <a:rPr lang="de-CH" dirty="0" err="1"/>
+              <a:t>difference</a:t>
+            </a:r>
+            <a:r>
+              <a:rPr lang="de-CH" dirty="0"/>
+              <a:t> </a:t>
+            </a:r>
+            <a:r>
+              <a:rPr lang="de-CH" dirty="0" err="1"/>
+              <a:t>between</a:t>
+            </a:r>
+            <a:r>
+              <a:rPr lang="de-CH" dirty="0"/>
+              <a:t> absolute </a:t>
+            </a:r>
+            <a:r>
+              <a:rPr lang="de-CH" dirty="0" err="1"/>
+              <a:t>and</a:t>
+            </a:r>
+            <a:r>
+              <a:rPr lang="de-CH" dirty="0"/>
+              <a:t> relative time? </a:t>
+            </a:r>
+          </a:p>
+          <a:p>
+            <a:endParaRPr lang="de-CH" dirty="0"/>
+          </a:p>
+          <a:p>
+            <a:endParaRPr lang="de-CH" dirty="0"/>
+          </a:p>
+        </p:txBody>
+      </p:sp>
+    </p:spTree>
+    <p:extLst>
+      <p:ext uri="{BB962C8B-B14F-4D97-AF65-F5344CB8AC3E}">
+        <p14:creationId xmlns:p14="http://schemas.microsoft.com/office/powerpoint/2010/main" val="3966685347"/>
+      </p:ext>
+    </p:extLst>
+  </p:cSld>
+  <p:clrMapOvr>
+    <a:masterClrMapping/>
+  </p:clrMapOvr>
+</p:sld>
+</file>
+
+<file path=ppt/slides/slide16.xml><?xml version="1.0" encoding="utf-8"?>
+<p:sld xmlns:a="http://schemas.openxmlformats.org/drawingml/2006/main" xmlns:r="http://schemas.openxmlformats.org/officeDocument/2006/relationships" xmlns:p="http://schemas.openxmlformats.org/presentationml/2006/main">
+  <p:cSld>
+    <p:spTree>
+      <p:nvGrpSpPr>
+        <p:cNvPr id="1" name=""/>
+        <p:cNvGrpSpPr/>
+        <p:nvPr/>
+      </p:nvGrpSpPr>
+      <p:grpSpPr>
+        <a:xfrm>
+          <a:off x="0" y="0"/>
+          <a:ext cx="0" cy="0"/>
+          <a:chOff x="0" y="0"/>
+          <a:chExt cx="0" cy="0"/>
+        </a:xfrm>
+      </p:grpSpPr>
+      <p:sp>
+        <p:nvSpPr>
+          <p:cNvPr id="2" name="Titel 1"/>
+          <p:cNvSpPr>
+            <a:spLocks noGrp="1"/>
+          </p:cNvSpPr>
+          <p:nvPr>
+            <p:ph type="title"/>
+          </p:nvPr>
+        </p:nvSpPr>
+        <p:spPr/>
+        <p:txBody>
+          <a:bodyPr/>
+          <a:lstStyle/>
+          <a:p>
+            <a:r>
+              <a:rPr lang="de-CH" dirty="0"/>
+              <a:t>Quiz - Solution</a:t>
+            </a:r>
+          </a:p>
+        </p:txBody>
+      </p:sp>
+      <p:sp>
+        <p:nvSpPr>
+          <p:cNvPr id="3" name="Inhaltsplatzhalter 2"/>
+          <p:cNvSpPr>
+            <a:spLocks noGrp="1"/>
+          </p:cNvSpPr>
+          <p:nvPr>
+            <p:ph idx="1"/>
+          </p:nvPr>
+        </p:nvSpPr>
+        <p:spPr/>
+        <p:txBody>
+          <a:bodyPr/>
+          <a:lstStyle/>
+          <a:p>
+            <a:endParaRPr lang="de-CH"/>
+          </a:p>
+        </p:txBody>
+      </p:sp>
+    </p:spTree>
+    <p:extLst>
+      <p:ext uri="{BB962C8B-B14F-4D97-AF65-F5344CB8AC3E}">
+        <p14:creationId xmlns:p14="http://schemas.microsoft.com/office/powerpoint/2010/main" val="2622317257"/>
+      </p:ext>
+    </p:extLst>
+  </p:cSld>
+  <p:clrMapOvr>
+    <a:masterClrMapping/>
+  </p:clrMapOvr>
+</p:sld>
+</file>
+
 <file path=ppt/slides/slide2.xml><?xml version="1.0" encoding="utf-8"?>
 <p:sld xmlns:a="http://schemas.openxmlformats.org/drawingml/2006/main" xmlns:r="http://schemas.openxmlformats.org/officeDocument/2006/relationships" xmlns:p="http://schemas.openxmlformats.org/presentationml/2006/main">
   <p:cSld>
@@ -3081,7 +3870,7 @@
           <a:p>
             <a:r>
               <a:rPr lang="de-CH" dirty="0"/>
-              <a:t>Inhalt</a:t>
+              <a:t>Content</a:t>
             </a:r>
           </a:p>
         </p:txBody>
@@ -3103,32 +3892,35 @@
           <a:p>
             <a:r>
               <a:rPr lang="de-CH" dirty="0"/>
-              <a:t>Simple Events</a:t>
-            </a:r>
-          </a:p>
-          <a:p>
-            <a:pPr lvl="1"/>
-            <a:r>
-              <a:rPr lang="de-CH" dirty="0"/>
-              <a:t>d</a:t>
-            </a:r>
-          </a:p>
-          <a:p>
-            <a:r>
-              <a:rPr lang="de-CH" dirty="0" err="1"/>
-              <a:t>Sequential</a:t>
-            </a:r>
-            <a:r>
-              <a:rPr lang="de-CH" dirty="0"/>
-              <a:t> State Machines</a:t>
-            </a:r>
-          </a:p>
-          <a:p>
-            <a:pPr lvl="1"/>
-            <a:r>
-              <a:rPr lang="de-CH" dirty="0"/>
-              <a:t>d</a:t>
-            </a:r>
+              <a:t>Events</a:t>
+            </a:r>
+          </a:p>
+          <a:p>
+            <a:endParaRPr lang="de-CH" dirty="0"/>
+          </a:p>
+          <a:p>
+            <a:r>
+              <a:rPr lang="de-CH" dirty="0"/>
+              <a:t>State Machines</a:t>
+            </a:r>
+          </a:p>
+          <a:p>
+            <a:endParaRPr lang="de-CH" dirty="0"/>
+          </a:p>
+          <a:p>
+            <a:r>
+              <a:rPr lang="de-CH" dirty="0" err="1"/>
+              <a:t>Clock</a:t>
+            </a:r>
+            <a:r>
+              <a:rPr lang="de-CH" dirty="0"/>
+              <a:t> &amp; </a:t>
+            </a:r>
+            <a:r>
+              <a:rPr lang="de-CH" dirty="0" err="1"/>
+              <a:t>Timer</a:t>
+            </a:r>
+            <a:endParaRPr lang="de-CH" dirty="0"/>
           </a:p>
         </p:txBody>
       </p:sp>
@@ -3179,7 +3971,78 @@
           <a:p>
             <a:r>
               <a:rPr lang="de-CH" dirty="0"/>
-              <a:t>Simple Events</a:t>
+              <a:t>Events</a:t>
+            </a:r>
+          </a:p>
+        </p:txBody>
+      </p:sp>
+      <p:sp>
+        <p:nvSpPr>
+          <p:cNvPr id="3" name="Inhaltsplatzhalter 2"/>
+          <p:cNvSpPr>
+            <a:spLocks noGrp="1"/>
+          </p:cNvSpPr>
+          <p:nvPr>
+            <p:ph idx="1"/>
+          </p:nvPr>
+        </p:nvSpPr>
+        <p:spPr/>
+        <p:txBody>
+          <a:bodyPr/>
+          <a:lstStyle/>
+          <a:p>
+            <a:endParaRPr lang="de-CH"/>
+          </a:p>
+        </p:txBody>
+      </p:sp>
+    </p:spTree>
+    <p:extLst>
+      <p:ext uri="{BB962C8B-B14F-4D97-AF65-F5344CB8AC3E}">
+        <p14:creationId xmlns:p14="http://schemas.microsoft.com/office/powerpoint/2010/main" val="508891128"/>
+      </p:ext>
+    </p:extLst>
+  </p:cSld>
+  <p:clrMapOvr>
+    <a:masterClrMapping/>
+  </p:clrMapOvr>
+</p:sld>
+</file>
+
+<file path=ppt/slides/slide4.xml><?xml version="1.0" encoding="utf-8"?>
+<p:sld xmlns:a="http://schemas.openxmlformats.org/drawingml/2006/main" xmlns:r="http://schemas.openxmlformats.org/officeDocument/2006/relationships" xmlns:p="http://schemas.openxmlformats.org/presentationml/2006/main">
+  <p:cSld>
+    <p:spTree>
+      <p:nvGrpSpPr>
+        <p:cNvPr id="1" name=""/>
+        <p:cNvGrpSpPr/>
+        <p:nvPr/>
+      </p:nvGrpSpPr>
+      <p:grpSpPr>
+        <a:xfrm>
+          <a:off x="0" y="0"/>
+          <a:ext cx="0" cy="0"/>
+          <a:chOff x="0" y="0"/>
+          <a:chExt cx="0" cy="0"/>
+        </a:xfrm>
+      </p:grpSpPr>
+      <p:sp>
+        <p:nvSpPr>
+          <p:cNvPr id="2" name="Titel 1"/>
+          <p:cNvSpPr>
+            <a:spLocks noGrp="1"/>
+          </p:cNvSpPr>
+          <p:nvPr>
+            <p:ph type="title"/>
+          </p:nvPr>
+        </p:nvSpPr>
+        <p:spPr/>
+        <p:txBody>
+          <a:bodyPr/>
+          <a:lstStyle/>
+          <a:p>
+            <a:r>
+              <a:rPr lang="de-CH" dirty="0"/>
+              <a:t>Events</a:t>
             </a:r>
           </a:p>
         </p:txBody>
@@ -3221,7 +4084,7 @@
 </p:sld>
 </file>
 
-<file path=ppt/slides/slide4.xml><?xml version="1.0" encoding="utf-8"?>
+<file path=ppt/slides/slide5.xml><?xml version="1.0" encoding="utf-8"?>
 <p:sld xmlns:a="http://schemas.openxmlformats.org/drawingml/2006/main" xmlns:r="http://schemas.openxmlformats.org/officeDocument/2006/relationships" xmlns:p="http://schemas.openxmlformats.org/presentationml/2006/main">
   <p:cSld>
     <p:spTree>
@@ -3255,7 +4118,7 @@
           <a:p>
             <a:r>
               <a:rPr lang="de-CH" dirty="0"/>
-              <a:t>Simple Events</a:t>
+              <a:t>Events</a:t>
             </a:r>
           </a:p>
         </p:txBody>
@@ -3297,7 +4160,7 @@
 </p:sld>
 </file>
 
-<file path=ppt/slides/slide5.xml><?xml version="1.0" encoding="utf-8"?>
+<file path=ppt/slides/slide6.xml><?xml version="1.0" encoding="utf-8"?>
 <p:sld xmlns:a="http://schemas.openxmlformats.org/drawingml/2006/main" xmlns:r="http://schemas.openxmlformats.org/officeDocument/2006/relationships" xmlns:p="http://schemas.openxmlformats.org/presentationml/2006/main">
   <p:cSld>
     <p:spTree>
@@ -3331,7 +4194,7 @@
           <a:p>
             <a:r>
               <a:rPr lang="de-CH" dirty="0"/>
-              <a:t>Simple Events</a:t>
+              <a:t>Events</a:t>
             </a:r>
           </a:p>
         </p:txBody>
@@ -3373,77 +4236,6 @@
 </p:sld>
 </file>
 
-<file path=ppt/slides/slide6.xml><?xml version="1.0" encoding="utf-8"?>
-<p:sld xmlns:a="http://schemas.openxmlformats.org/drawingml/2006/main" xmlns:r="http://schemas.openxmlformats.org/officeDocument/2006/relationships" xmlns:p="http://schemas.openxmlformats.org/presentationml/2006/main">
-  <p:cSld>
-    <p:spTree>
-      <p:nvGrpSpPr>
-        <p:cNvPr id="1" name=""/>
-        <p:cNvGrpSpPr/>
-        <p:nvPr/>
-      </p:nvGrpSpPr>
-      <p:grpSpPr>
-        <a:xfrm>
-          <a:off x="0" y="0"/>
-          <a:ext cx="0" cy="0"/>
-          <a:chOff x="0" y="0"/>
-          <a:chExt cx="0" cy="0"/>
-        </a:xfrm>
-      </p:grpSpPr>
-      <p:sp>
-        <p:nvSpPr>
-          <p:cNvPr id="2" name="Titel 1"/>
-          <p:cNvSpPr>
-            <a:spLocks noGrp="1"/>
-          </p:cNvSpPr>
-          <p:nvPr>
-            <p:ph type="title"/>
-          </p:nvPr>
-        </p:nvSpPr>
-        <p:spPr/>
-        <p:txBody>
-          <a:bodyPr/>
-          <a:lstStyle/>
-          <a:p>
-            <a:r>
-              <a:rPr lang="de-CH" dirty="0"/>
-              <a:t>Simple Events</a:t>
-            </a:r>
-          </a:p>
-        </p:txBody>
-      </p:sp>
-      <p:sp>
-        <p:nvSpPr>
-          <p:cNvPr id="3" name="Inhaltsplatzhalter 2"/>
-          <p:cNvSpPr>
-            <a:spLocks noGrp="1"/>
-          </p:cNvSpPr>
-          <p:nvPr>
-            <p:ph idx="1"/>
-          </p:nvPr>
-        </p:nvSpPr>
-        <p:spPr/>
-        <p:txBody>
-          <a:bodyPr/>
-          <a:lstStyle/>
-          <a:p>
-            <a:endParaRPr lang="de-CH"/>
-          </a:p>
-        </p:txBody>
-      </p:sp>
-    </p:spTree>
-    <p:extLst>
-      <p:ext uri="{BB962C8B-B14F-4D97-AF65-F5344CB8AC3E}">
-        <p14:creationId xmlns:p14="http://schemas.microsoft.com/office/powerpoint/2010/main" val="3094366253"/>
-      </p:ext>
-    </p:extLst>
-  </p:cSld>
-  <p:clrMapOvr>
-    <a:masterClrMapping/>
-  </p:clrMapOvr>
-</p:sld>
-</file>
-
 <file path=ppt/slides/slide7.xml><?xml version="1.0" encoding="utf-8"?>
 <p:sld xmlns:a="http://schemas.openxmlformats.org/drawingml/2006/main" xmlns:r="http://schemas.openxmlformats.org/officeDocument/2006/relationships" xmlns:p="http://schemas.openxmlformats.org/presentationml/2006/main">
   <p:cSld>
@@ -3478,7 +4270,7 @@
           <a:p>
             <a:r>
               <a:rPr lang="de-CH" dirty="0"/>
-              <a:t>Fragen?</a:t>
+              <a:t>Events</a:t>
             </a:r>
           </a:p>
         </p:txBody>
@@ -3498,14 +4290,209 @@
           <a:bodyPr/>
           <a:lstStyle/>
           <a:p>
-            <a:endParaRPr lang="de-CH"/>
+            <a:r>
+              <a:rPr lang="de-CH" dirty="0"/>
+              <a:t>Rules </a:t>
+            </a:r>
+            <a:r>
+              <a:rPr lang="de-CH" dirty="0" err="1"/>
+              <a:t>for</a:t>
+            </a:r>
+            <a:r>
+              <a:rPr lang="de-CH" dirty="0"/>
+              <a:t> ISR:</a:t>
+            </a:r>
+          </a:p>
+          <a:p>
+            <a:pPr lvl="1"/>
+            <a:r>
+              <a:rPr lang="de-CH" dirty="0"/>
+              <a:t>Keep </a:t>
+            </a:r>
+            <a:r>
+              <a:rPr lang="de-CH" dirty="0" err="1"/>
+              <a:t>interrupt</a:t>
+            </a:r>
+            <a:r>
+              <a:rPr lang="de-CH" dirty="0"/>
+              <a:t> </a:t>
+            </a:r>
+            <a:r>
+              <a:rPr lang="de-CH" dirty="0" err="1"/>
+              <a:t>handler</a:t>
+            </a:r>
+            <a:r>
+              <a:rPr lang="de-CH" dirty="0"/>
+              <a:t> </a:t>
+            </a:r>
+            <a:r>
+              <a:rPr lang="de-CH" dirty="0" err="1"/>
+              <a:t>as</a:t>
+            </a:r>
+            <a:r>
+              <a:rPr lang="de-CH" dirty="0"/>
+              <a:t> </a:t>
+            </a:r>
+            <a:r>
+              <a:rPr lang="de-CH" dirty="0" err="1"/>
+              <a:t>small</a:t>
+            </a:r>
+            <a:r>
+              <a:rPr lang="de-CH" dirty="0"/>
+              <a:t> </a:t>
+            </a:r>
+            <a:r>
+              <a:rPr lang="de-CH" dirty="0" err="1"/>
+              <a:t>and</a:t>
+            </a:r>
+            <a:r>
+              <a:rPr lang="de-CH" dirty="0"/>
+              <a:t> fast </a:t>
+            </a:r>
+            <a:r>
+              <a:rPr lang="de-CH" dirty="0" err="1"/>
+              <a:t>as</a:t>
+            </a:r>
+            <a:r>
+              <a:rPr lang="de-CH" dirty="0"/>
+              <a:t> </a:t>
+            </a:r>
+            <a:r>
+              <a:rPr lang="de-CH" dirty="0" err="1"/>
+              <a:t>possible</a:t>
+            </a:r>
+            <a:r>
+              <a:rPr lang="de-CH" dirty="0"/>
+              <a:t>.</a:t>
+            </a:r>
+          </a:p>
+          <a:p>
+            <a:pPr lvl="1"/>
+            <a:r>
+              <a:rPr lang="de-CH" dirty="0" err="1"/>
+              <a:t>Only</a:t>
+            </a:r>
+            <a:r>
+              <a:rPr lang="de-CH" dirty="0"/>
+              <a:t> do </a:t>
+            </a:r>
+            <a:r>
+              <a:rPr lang="de-CH" dirty="0" err="1"/>
+              <a:t>things</a:t>
+            </a:r>
+            <a:r>
+              <a:rPr lang="de-CH" dirty="0"/>
+              <a:t> in </a:t>
+            </a:r>
+            <a:r>
+              <a:rPr lang="de-CH" dirty="0" err="1"/>
+              <a:t>the</a:t>
+            </a:r>
+            <a:r>
+              <a:rPr lang="de-CH" dirty="0"/>
+              <a:t> </a:t>
+            </a:r>
+            <a:r>
+              <a:rPr lang="de-CH" dirty="0" err="1"/>
+              <a:t>interrupt</a:t>
+            </a:r>
+            <a:r>
+              <a:rPr lang="de-CH" dirty="0"/>
+              <a:t> </a:t>
+            </a:r>
+            <a:r>
+              <a:rPr lang="de-CH" dirty="0" err="1"/>
+              <a:t>handler</a:t>
+            </a:r>
+            <a:r>
+              <a:rPr lang="de-CH" dirty="0"/>
+              <a:t> </a:t>
+            </a:r>
+            <a:r>
+              <a:rPr lang="de-CH" dirty="0" err="1"/>
+              <a:t>which</a:t>
+            </a:r>
+            <a:r>
+              <a:rPr lang="de-CH" dirty="0"/>
+              <a:t> </a:t>
+            </a:r>
+            <a:r>
+              <a:rPr lang="de-CH" dirty="0" err="1"/>
+              <a:t>cannot</a:t>
+            </a:r>
+            <a:r>
+              <a:rPr lang="de-CH" dirty="0"/>
+              <a:t> </a:t>
+            </a:r>
+            <a:r>
+              <a:rPr lang="de-CH" dirty="0" err="1"/>
+              <a:t>wait</a:t>
+            </a:r>
+            <a:r>
+              <a:rPr lang="de-CH" dirty="0"/>
+              <a:t>.</a:t>
+            </a:r>
+          </a:p>
+          <a:p>
+            <a:pPr lvl="1"/>
+            <a:endParaRPr lang="de-CH" dirty="0"/>
+          </a:p>
+          <a:p>
+            <a:r>
+              <a:rPr lang="de-CH" dirty="0" err="1"/>
+              <a:t>Reentrancy</a:t>
+            </a:r>
+            <a:endParaRPr lang="de-CH" dirty="0"/>
+          </a:p>
+          <a:p>
+            <a:pPr lvl="1"/>
+            <a:r>
+              <a:rPr lang="de-CH" dirty="0" err="1"/>
+              <a:t>Disable</a:t>
+            </a:r>
+            <a:r>
+              <a:rPr lang="de-CH" dirty="0"/>
+              <a:t>/</a:t>
+            </a:r>
+            <a:r>
+              <a:rPr lang="de-CH" dirty="0" err="1"/>
+              <a:t>Enable</a:t>
+            </a:r>
+            <a:r>
+              <a:rPr lang="de-CH" dirty="0"/>
+              <a:t> Interrupts</a:t>
+            </a:r>
+          </a:p>
+          <a:p>
+            <a:pPr lvl="1"/>
+            <a:r>
+              <a:rPr lang="de-CH" dirty="0" err="1"/>
+              <a:t>EnterCritical</a:t>
+            </a:r>
+            <a:r>
+              <a:rPr lang="de-CH" dirty="0"/>
+              <a:t> </a:t>
+            </a:r>
+            <a:r>
+              <a:rPr lang="de-CH" dirty="0" err="1"/>
+              <a:t>and</a:t>
+            </a:r>
+            <a:r>
+              <a:rPr lang="de-CH" dirty="0"/>
+              <a:t> </a:t>
+            </a:r>
+            <a:r>
+              <a:rPr lang="de-CH" dirty="0" err="1"/>
+              <a:t>ExitCritical</a:t>
+            </a:r>
+            <a:endParaRPr lang="de-CH" dirty="0"/>
           </a:p>
         </p:txBody>
       </p:sp>
     </p:spTree>
     <p:extLst>
       <p:ext uri="{BB962C8B-B14F-4D97-AF65-F5344CB8AC3E}">
-        <p14:creationId xmlns:p14="http://schemas.microsoft.com/office/powerpoint/2010/main" val="3647657539"/>
+        <p14:creationId xmlns:p14="http://schemas.microsoft.com/office/powerpoint/2010/main" val="3094366253"/>
       </p:ext>
     </p:extLst>
   </p:cSld>
@@ -3549,7 +4536,7 @@
           <a:p>
             <a:r>
               <a:rPr lang="de-CH" dirty="0"/>
-              <a:t>Quiz</a:t>
+              <a:t>State Machines</a:t>
             </a:r>
           </a:p>
         </p:txBody>
@@ -3576,7 +4563,7 @@
     </p:spTree>
     <p:extLst>
       <p:ext uri="{BB962C8B-B14F-4D97-AF65-F5344CB8AC3E}">
-        <p14:creationId xmlns:p14="http://schemas.microsoft.com/office/powerpoint/2010/main" val="3966685347"/>
+        <p14:creationId xmlns:p14="http://schemas.microsoft.com/office/powerpoint/2010/main" val="4069598654"/>
       </p:ext>
     </p:extLst>
   </p:cSld>
@@ -3620,34 +4607,74 @@
           <a:p>
             <a:r>
               <a:rPr lang="de-CH" dirty="0"/>
-              <a:t>Quiz - Lösungen</a:t>
-            </a:r>
-          </a:p>
-        </p:txBody>
-      </p:sp>
-      <p:sp>
-        <p:nvSpPr>
-          <p:cNvPr id="3" name="Inhaltsplatzhalter 2"/>
-          <p:cNvSpPr>
-            <a:spLocks noGrp="1"/>
-          </p:cNvSpPr>
+              <a:t>State Machines</a:t>
+            </a:r>
+          </a:p>
+        </p:txBody>
+      </p:sp>
+      <p:pic>
+        <p:nvPicPr>
+          <p:cNvPr id="4" name="Inhaltsplatzhalter 3"/>
+          <p:cNvPicPr>
+            <a:picLocks noGrp="1" noChangeAspect="1"/>
+          </p:cNvPicPr>
           <p:nvPr>
             <p:ph idx="1"/>
           </p:nvPr>
-        </p:nvSpPr>
-        <p:spPr/>
-        <p:txBody>
-          <a:bodyPr/>
-          <a:lstStyle/>
-          <a:p>
-            <a:endParaRPr lang="de-CH"/>
-          </a:p>
-        </p:txBody>
-      </p:sp>
+        </p:nvPicPr>
+        <p:blipFill>
+          <a:blip r:embed="rId2"/>
+          <a:stretch>
+            <a:fillRect/>
+          </a:stretch>
+        </p:blipFill>
+        <p:spPr>
+          <a:xfrm>
+            <a:off x="1518285" y="2393066"/>
+            <a:ext cx="5998523" cy="2410754"/>
+          </a:xfrm>
+          <a:prstGeom prst="rect">
+            <a:avLst/>
+          </a:prstGeom>
+        </p:spPr>
+      </p:pic>
+      <p:cxnSp>
+        <p:nvCxnSpPr>
+          <p:cNvPr id="6" name="Gerade Verbindung mit Pfeil 5"/>
+          <p:cNvCxnSpPr/>
+          <p:nvPr/>
+        </p:nvCxnSpPr>
+        <p:spPr>
+          <a:xfrm flipH="1">
+            <a:off x="3103808" y="2125014"/>
+            <a:ext cx="167426" cy="1184856"/>
+          </a:xfrm>
+          <a:prstGeom prst="straightConnector1">
+            <a:avLst/>
+          </a:prstGeom>
+          <a:ln>
+            <a:tailEnd type="triangle"/>
+          </a:ln>
+        </p:spPr>
+        <p:style>
+          <a:lnRef idx="1">
+            <a:schemeClr val="dk1"/>
+          </a:lnRef>
+          <a:fillRef idx="0">
+            <a:schemeClr val="dk1"/>
+          </a:fillRef>
+          <a:effectRef idx="0">
+            <a:schemeClr val="dk1"/>
+          </a:effectRef>
+          <a:fontRef idx="minor">
+            <a:schemeClr val="tx1"/>
+          </a:fontRef>
+        </p:style>
+      </p:cxnSp>
     </p:spTree>
     <p:extLst>
       <p:ext uri="{BB962C8B-B14F-4D97-AF65-F5344CB8AC3E}">
-        <p14:creationId xmlns:p14="http://schemas.microsoft.com/office/powerpoint/2010/main" val="2622317257"/>
+        <p14:creationId xmlns:p14="http://schemas.microsoft.com/office/powerpoint/2010/main" val="2656504114"/>
       </p:ext>
     </p:extLst>
   </p:cSld>

--- a/SW04a Recap Schwegler Weber.pptx
+++ b/SW04a Recap Schwegler Weber.pptx
@@ -20,7 +20,10 @@
     <p:sldId id="271" r:id="rId14"/>
     <p:sldId id="258" r:id="rId15"/>
     <p:sldId id="259" r:id="rId16"/>
-    <p:sldId id="260" r:id="rId17"/>
+    <p:sldId id="272" r:id="rId17"/>
+    <p:sldId id="273" r:id="rId18"/>
+    <p:sldId id="274" r:id="rId19"/>
+    <p:sldId id="275" r:id="rId20"/>
   </p:sldIdLst>
   <p:sldSz cx="12192000" cy="6858000"/>
   <p:notesSz cx="6858000" cy="9144000"/>
@@ -258,7 +261,7 @@
           <a:p>
             <a:fld id="{CD13E544-956D-48D1-BB8A-41A2046CF606}" type="datetimeFigureOut">
               <a:rPr lang="de-CH" smtClean="0"/>
-              <a:t>16.10.2016</a:t>
+              <a:t>17.10.2016</a:t>
             </a:fld>
             <a:endParaRPr lang="de-CH"/>
           </a:p>
@@ -428,7 +431,7 @@
           <a:p>
             <a:fld id="{CD13E544-956D-48D1-BB8A-41A2046CF606}" type="datetimeFigureOut">
               <a:rPr lang="de-CH" smtClean="0"/>
-              <a:t>16.10.2016</a:t>
+              <a:t>17.10.2016</a:t>
             </a:fld>
             <a:endParaRPr lang="de-CH"/>
           </a:p>
@@ -608,7 +611,7 @@
           <a:p>
             <a:fld id="{CD13E544-956D-48D1-BB8A-41A2046CF606}" type="datetimeFigureOut">
               <a:rPr lang="de-CH" smtClean="0"/>
-              <a:t>16.10.2016</a:t>
+              <a:t>17.10.2016</a:t>
             </a:fld>
             <a:endParaRPr lang="de-CH"/>
           </a:p>
@@ -778,7 +781,7 @@
           <a:p>
             <a:fld id="{CD13E544-956D-48D1-BB8A-41A2046CF606}" type="datetimeFigureOut">
               <a:rPr lang="de-CH" smtClean="0"/>
-              <a:t>16.10.2016</a:t>
+              <a:t>17.10.2016</a:t>
             </a:fld>
             <a:endParaRPr lang="de-CH"/>
           </a:p>
@@ -1024,7 +1027,7 @@
           <a:p>
             <a:fld id="{CD13E544-956D-48D1-BB8A-41A2046CF606}" type="datetimeFigureOut">
               <a:rPr lang="de-CH" smtClean="0"/>
-              <a:t>16.10.2016</a:t>
+              <a:t>17.10.2016</a:t>
             </a:fld>
             <a:endParaRPr lang="de-CH"/>
           </a:p>
@@ -1256,7 +1259,7 @@
           <a:p>
             <a:fld id="{CD13E544-956D-48D1-BB8A-41A2046CF606}" type="datetimeFigureOut">
               <a:rPr lang="de-CH" smtClean="0"/>
-              <a:t>16.10.2016</a:t>
+              <a:t>17.10.2016</a:t>
             </a:fld>
             <a:endParaRPr lang="de-CH"/>
           </a:p>
@@ -1623,7 +1626,7 @@
           <a:p>
             <a:fld id="{CD13E544-956D-48D1-BB8A-41A2046CF606}" type="datetimeFigureOut">
               <a:rPr lang="de-CH" smtClean="0"/>
-              <a:t>16.10.2016</a:t>
+              <a:t>17.10.2016</a:t>
             </a:fld>
             <a:endParaRPr lang="de-CH"/>
           </a:p>
@@ -1741,7 +1744,7 @@
           <a:p>
             <a:fld id="{CD13E544-956D-48D1-BB8A-41A2046CF606}" type="datetimeFigureOut">
               <a:rPr lang="de-CH" smtClean="0"/>
-              <a:t>16.10.2016</a:t>
+              <a:t>17.10.2016</a:t>
             </a:fld>
             <a:endParaRPr lang="de-CH"/>
           </a:p>
@@ -1836,7 +1839,7 @@
           <a:p>
             <a:fld id="{CD13E544-956D-48D1-BB8A-41A2046CF606}" type="datetimeFigureOut">
               <a:rPr lang="de-CH" smtClean="0"/>
-              <a:t>16.10.2016</a:t>
+              <a:t>17.10.2016</a:t>
             </a:fld>
             <a:endParaRPr lang="de-CH"/>
           </a:p>
@@ -2113,7 +2116,7 @@
           <a:p>
             <a:fld id="{CD13E544-956D-48D1-BB8A-41A2046CF606}" type="datetimeFigureOut">
               <a:rPr lang="de-CH" smtClean="0"/>
-              <a:t>16.10.2016</a:t>
+              <a:t>17.10.2016</a:t>
             </a:fld>
             <a:endParaRPr lang="de-CH"/>
           </a:p>
@@ -2366,7 +2369,7 @@
           <a:p>
             <a:fld id="{CD13E544-956D-48D1-BB8A-41A2046CF606}" type="datetimeFigureOut">
               <a:rPr lang="de-CH" smtClean="0"/>
-              <a:t>16.10.2016</a:t>
+              <a:t>17.10.2016</a:t>
             </a:fld>
             <a:endParaRPr lang="de-CH"/>
           </a:p>
@@ -2579,7 +2582,7 @@
           <a:p>
             <a:fld id="{CD13E544-956D-48D1-BB8A-41A2046CF606}" type="datetimeFigureOut">
               <a:rPr lang="de-CH" smtClean="0"/>
-              <a:t>16.10.2016</a:t>
+              <a:t>17.10.2016</a:t>
             </a:fld>
             <a:endParaRPr lang="de-CH"/>
           </a:p>
@@ -3697,7 +3700,7 @@
           <a:p>
             <a:r>
               <a:rPr lang="de-CH" dirty="0" err="1"/>
-              <a:t>What</a:t>
+              <a:t>Whats</a:t>
             </a:r>
             <a:r>
               <a:rPr lang="de-CH" dirty="0"/>
@@ -3705,7 +3708,7 @@
             </a:r>
             <a:r>
               <a:rPr lang="de-CH" dirty="0" err="1"/>
-              <a:t>is</a:t>
+              <a:t>the</a:t>
             </a:r>
             <a:r>
               <a:rPr lang="de-CH" dirty="0"/>
@@ -3713,7 +3716,7 @@
             </a:r>
             <a:r>
               <a:rPr lang="de-CH" dirty="0" err="1"/>
-              <a:t>the</a:t>
+              <a:t>reason</a:t>
             </a:r>
             <a:r>
               <a:rPr lang="de-CH" dirty="0"/>
@@ -3721,7 +3724,7 @@
             </a:r>
             <a:r>
               <a:rPr lang="de-CH" dirty="0" err="1"/>
-              <a:t>difference</a:t>
+              <a:t>for</a:t>
             </a:r>
             <a:r>
               <a:rPr lang="de-CH" dirty="0"/>
@@ -3729,19 +3732,27 @@
             </a:r>
             <a:r>
               <a:rPr lang="de-CH" dirty="0" err="1"/>
-              <a:t>between</a:t>
-            </a:r>
-            <a:r>
-              <a:rPr lang="de-CH" dirty="0"/>
-              <a:t> absolute </a:t>
-            </a:r>
-            <a:r>
-              <a:rPr lang="de-CH" dirty="0" err="1"/>
-              <a:t>and</a:t>
-            </a:r>
-            <a:r>
-              <a:rPr lang="de-CH" dirty="0"/>
-              <a:t> relative time? </a:t>
+              <a:t>useing</a:t>
+            </a:r>
+            <a:r>
+              <a:rPr lang="de-CH" dirty="0"/>
+              <a:t> </a:t>
+            </a:r>
+            <a:r>
+              <a:rPr lang="de-CH" dirty="0" err="1"/>
+              <a:t>Clock</a:t>
+            </a:r>
+            <a:r>
+              <a:rPr lang="de-CH" dirty="0"/>
+              <a:t> &amp; </a:t>
+            </a:r>
+            <a:r>
+              <a:rPr lang="de-CH" dirty="0" err="1"/>
+              <a:t>Timer</a:t>
+            </a:r>
+            <a:r>
+              <a:rPr lang="de-CH" dirty="0"/>
+              <a:t>? </a:t>
             </a:r>
           </a:p>
           <a:p>
@@ -3799,7 +3810,7 @@
           <a:p>
             <a:r>
               <a:rPr lang="de-CH" dirty="0"/>
-              <a:t>Quiz - Solution</a:t>
+              <a:t>Quiz-Solution</a:t>
             </a:r>
           </a:p>
         </p:txBody>
@@ -3819,14 +3830,609 @@
           <a:bodyPr/>
           <a:lstStyle/>
           <a:p>
-            <a:endParaRPr lang="de-CH"/>
+            <a:r>
+              <a:rPr lang="de-CH" dirty="0" err="1"/>
+              <a:t>What</a:t>
+            </a:r>
+            <a:r>
+              <a:rPr lang="de-CH" dirty="0"/>
+              <a:t> </a:t>
+            </a:r>
+            <a:r>
+              <a:rPr lang="de-CH" dirty="0" err="1"/>
+              <a:t>are</a:t>
+            </a:r>
+            <a:r>
+              <a:rPr lang="de-CH" dirty="0"/>
+              <a:t> </a:t>
+            </a:r>
+            <a:r>
+              <a:rPr lang="de-CH" dirty="0" err="1"/>
+              <a:t>the</a:t>
+            </a:r>
+            <a:r>
+              <a:rPr lang="de-CH" dirty="0"/>
+              <a:t> </a:t>
+            </a:r>
+            <a:r>
+              <a:rPr lang="de-CH" dirty="0" err="1"/>
+              <a:t>rules</a:t>
+            </a:r>
+            <a:r>
+              <a:rPr lang="de-CH" dirty="0"/>
+              <a:t> </a:t>
+            </a:r>
+            <a:r>
+              <a:rPr lang="de-CH" dirty="0" err="1"/>
+              <a:t>for</a:t>
+            </a:r>
+            <a:r>
+              <a:rPr lang="de-CH" dirty="0"/>
+              <a:t> ISR?</a:t>
+            </a:r>
+          </a:p>
+          <a:p>
+            <a:endParaRPr lang="de-CH" dirty="0"/>
+          </a:p>
+          <a:p>
+            <a:r>
+              <a:rPr lang="de-CH" dirty="0"/>
+              <a:t>Rules </a:t>
+            </a:r>
+            <a:r>
+              <a:rPr lang="de-CH" dirty="0" err="1"/>
+              <a:t>for</a:t>
+            </a:r>
+            <a:r>
+              <a:rPr lang="de-CH" dirty="0"/>
+              <a:t> ISR:</a:t>
+            </a:r>
+          </a:p>
+          <a:p>
+            <a:pPr lvl="1"/>
+            <a:r>
+              <a:rPr lang="de-CH" dirty="0"/>
+              <a:t>Keep </a:t>
+            </a:r>
+            <a:r>
+              <a:rPr lang="de-CH" dirty="0" err="1"/>
+              <a:t>interrupt</a:t>
+            </a:r>
+            <a:r>
+              <a:rPr lang="de-CH" dirty="0"/>
+              <a:t> </a:t>
+            </a:r>
+            <a:r>
+              <a:rPr lang="de-CH" dirty="0" err="1"/>
+              <a:t>handler</a:t>
+            </a:r>
+            <a:r>
+              <a:rPr lang="de-CH" dirty="0"/>
+              <a:t> </a:t>
+            </a:r>
+            <a:r>
+              <a:rPr lang="de-CH" dirty="0" err="1"/>
+              <a:t>as</a:t>
+            </a:r>
+            <a:r>
+              <a:rPr lang="de-CH" dirty="0"/>
+              <a:t> </a:t>
+            </a:r>
+            <a:r>
+              <a:rPr lang="de-CH" dirty="0" err="1"/>
+              <a:t>small</a:t>
+            </a:r>
+            <a:r>
+              <a:rPr lang="de-CH" dirty="0"/>
+              <a:t> </a:t>
+            </a:r>
+            <a:r>
+              <a:rPr lang="de-CH" dirty="0" err="1"/>
+              <a:t>and</a:t>
+            </a:r>
+            <a:r>
+              <a:rPr lang="de-CH" dirty="0"/>
+              <a:t> fast </a:t>
+            </a:r>
+            <a:r>
+              <a:rPr lang="de-CH" dirty="0" err="1"/>
+              <a:t>as</a:t>
+            </a:r>
+            <a:r>
+              <a:rPr lang="de-CH" dirty="0"/>
+              <a:t> </a:t>
+            </a:r>
+            <a:r>
+              <a:rPr lang="de-CH" dirty="0" err="1"/>
+              <a:t>possible</a:t>
+            </a:r>
+            <a:r>
+              <a:rPr lang="de-CH" dirty="0"/>
+              <a:t>.</a:t>
+            </a:r>
+          </a:p>
+          <a:p>
+            <a:pPr lvl="1"/>
+            <a:r>
+              <a:rPr lang="de-CH" dirty="0" err="1"/>
+              <a:t>Only</a:t>
+            </a:r>
+            <a:r>
+              <a:rPr lang="de-CH" dirty="0"/>
+              <a:t> do </a:t>
+            </a:r>
+            <a:r>
+              <a:rPr lang="de-CH" dirty="0" err="1"/>
+              <a:t>things</a:t>
+            </a:r>
+            <a:r>
+              <a:rPr lang="de-CH" dirty="0"/>
+              <a:t> in </a:t>
+            </a:r>
+            <a:r>
+              <a:rPr lang="de-CH" dirty="0" err="1"/>
+              <a:t>the</a:t>
+            </a:r>
+            <a:r>
+              <a:rPr lang="de-CH" dirty="0"/>
+              <a:t> </a:t>
+            </a:r>
+            <a:r>
+              <a:rPr lang="de-CH" dirty="0" err="1"/>
+              <a:t>interrupt</a:t>
+            </a:r>
+            <a:r>
+              <a:rPr lang="de-CH" dirty="0"/>
+              <a:t> </a:t>
+            </a:r>
+            <a:r>
+              <a:rPr lang="de-CH" dirty="0" err="1"/>
+              <a:t>handler</a:t>
+            </a:r>
+            <a:r>
+              <a:rPr lang="de-CH" dirty="0"/>
+              <a:t> </a:t>
+            </a:r>
+            <a:r>
+              <a:rPr lang="de-CH" dirty="0" err="1"/>
+              <a:t>which</a:t>
+            </a:r>
+            <a:r>
+              <a:rPr lang="de-CH" dirty="0"/>
+              <a:t> </a:t>
+            </a:r>
+            <a:r>
+              <a:rPr lang="de-CH" dirty="0" err="1"/>
+              <a:t>cannot</a:t>
+            </a:r>
+            <a:r>
+              <a:rPr lang="de-CH" dirty="0"/>
+              <a:t> </a:t>
+            </a:r>
+            <a:r>
+              <a:rPr lang="de-CH" dirty="0" err="1"/>
+              <a:t>wait</a:t>
+            </a:r>
+            <a:r>
+              <a:rPr lang="de-CH" dirty="0"/>
+              <a:t>.</a:t>
+            </a:r>
+          </a:p>
+          <a:p>
+            <a:endParaRPr lang="de-CH" dirty="0"/>
+          </a:p>
+          <a:p>
+            <a:endParaRPr lang="de-CH" dirty="0"/>
           </a:p>
         </p:txBody>
       </p:sp>
     </p:spTree>
     <p:extLst>
       <p:ext uri="{BB962C8B-B14F-4D97-AF65-F5344CB8AC3E}">
-        <p14:creationId xmlns:p14="http://schemas.microsoft.com/office/powerpoint/2010/main" val="2622317257"/>
+        <p14:creationId xmlns:p14="http://schemas.microsoft.com/office/powerpoint/2010/main" val="3746964562"/>
+      </p:ext>
+    </p:extLst>
+  </p:cSld>
+  <p:clrMapOvr>
+    <a:masterClrMapping/>
+  </p:clrMapOvr>
+</p:sld>
+</file>
+
+<file path=ppt/slides/slide17.xml><?xml version="1.0" encoding="utf-8"?>
+<p:sld xmlns:a="http://schemas.openxmlformats.org/drawingml/2006/main" xmlns:r="http://schemas.openxmlformats.org/officeDocument/2006/relationships" xmlns:p="http://schemas.openxmlformats.org/presentationml/2006/main">
+  <p:cSld>
+    <p:spTree>
+      <p:nvGrpSpPr>
+        <p:cNvPr id="1" name=""/>
+        <p:cNvGrpSpPr/>
+        <p:nvPr/>
+      </p:nvGrpSpPr>
+      <p:grpSpPr>
+        <a:xfrm>
+          <a:off x="0" y="0"/>
+          <a:ext cx="0" cy="0"/>
+          <a:chOff x="0" y="0"/>
+          <a:chExt cx="0" cy="0"/>
+        </a:xfrm>
+      </p:grpSpPr>
+      <p:sp>
+        <p:nvSpPr>
+          <p:cNvPr id="2" name="Titel 1"/>
+          <p:cNvSpPr>
+            <a:spLocks noGrp="1"/>
+          </p:cNvSpPr>
+          <p:nvPr>
+            <p:ph type="title"/>
+          </p:nvPr>
+        </p:nvSpPr>
+        <p:spPr/>
+        <p:txBody>
+          <a:bodyPr/>
+          <a:lstStyle/>
+          <a:p>
+            <a:r>
+              <a:rPr lang="de-CH" dirty="0"/>
+              <a:t>Quiz-Solution</a:t>
+            </a:r>
+          </a:p>
+        </p:txBody>
+      </p:sp>
+      <p:sp>
+        <p:nvSpPr>
+          <p:cNvPr id="3" name="Inhaltsplatzhalter 2"/>
+          <p:cNvSpPr>
+            <a:spLocks noGrp="1"/>
+          </p:cNvSpPr>
+          <p:nvPr>
+            <p:ph idx="1"/>
+          </p:nvPr>
+        </p:nvSpPr>
+        <p:spPr/>
+        <p:txBody>
+          <a:bodyPr/>
+          <a:lstStyle/>
+          <a:p>
+            <a:r>
+              <a:rPr lang="de-CH" dirty="0"/>
+              <a:t>Name </a:t>
+            </a:r>
+            <a:r>
+              <a:rPr lang="de-CH" dirty="0" err="1"/>
+              <a:t>three</a:t>
+            </a:r>
+            <a:r>
+              <a:rPr lang="de-CH" dirty="0"/>
+              <a:t> </a:t>
+            </a:r>
+            <a:r>
+              <a:rPr lang="de-CH" dirty="0" err="1"/>
+              <a:t>Methods</a:t>
+            </a:r>
+            <a:r>
+              <a:rPr lang="de-CH" dirty="0"/>
+              <a:t> </a:t>
+            </a:r>
+            <a:r>
+              <a:rPr lang="de-CH" dirty="0" err="1"/>
+              <a:t>to</a:t>
+            </a:r>
+            <a:r>
+              <a:rPr lang="de-CH" dirty="0"/>
+              <a:t> </a:t>
+            </a:r>
+            <a:r>
+              <a:rPr lang="de-CH" dirty="0" err="1"/>
+              <a:t>implement</a:t>
+            </a:r>
+            <a:r>
+              <a:rPr lang="de-CH" dirty="0"/>
+              <a:t> a </a:t>
+            </a:r>
+            <a:r>
+              <a:rPr lang="de-CH" dirty="0" err="1"/>
+              <a:t>state</a:t>
+            </a:r>
+            <a:r>
+              <a:rPr lang="de-CH" dirty="0"/>
+              <a:t> </a:t>
+            </a:r>
+            <a:r>
+              <a:rPr lang="de-CH" dirty="0" err="1"/>
+              <a:t>machine</a:t>
+            </a:r>
+            <a:r>
+              <a:rPr lang="de-CH" dirty="0"/>
+              <a:t>?</a:t>
+            </a:r>
+          </a:p>
+          <a:p>
+            <a:endParaRPr lang="de-CH" dirty="0"/>
+          </a:p>
+          <a:p>
+            <a:r>
+              <a:rPr lang="de-CH" dirty="0"/>
+              <a:t>Implementation</a:t>
+            </a:r>
+          </a:p>
+          <a:p>
+            <a:pPr lvl="1"/>
+            <a:r>
+              <a:rPr lang="de-CH" dirty="0"/>
+              <a:t>IF-ELSEIF-ELSE</a:t>
+            </a:r>
+          </a:p>
+          <a:p>
+            <a:pPr lvl="1"/>
+            <a:r>
+              <a:rPr lang="de-CH" dirty="0"/>
+              <a:t>SWITCH</a:t>
+            </a:r>
+          </a:p>
+          <a:p>
+            <a:pPr lvl="1"/>
+            <a:r>
+              <a:rPr lang="de-CH" dirty="0"/>
+              <a:t>Table (</a:t>
+            </a:r>
+            <a:r>
+              <a:rPr lang="de-CH" dirty="0" err="1"/>
+              <a:t>Mealy</a:t>
+            </a:r>
+            <a:r>
+              <a:rPr lang="de-CH" dirty="0"/>
+              <a:t> </a:t>
+            </a:r>
+            <a:r>
+              <a:rPr lang="de-CH" dirty="0" err="1"/>
+              <a:t>Sequential</a:t>
+            </a:r>
+            <a:r>
+              <a:rPr lang="de-CH" dirty="0"/>
+              <a:t>)</a:t>
+            </a:r>
+          </a:p>
+          <a:p>
+            <a:endParaRPr lang="de-CH" dirty="0"/>
+          </a:p>
+          <a:p>
+            <a:endParaRPr lang="de-CH" dirty="0"/>
+          </a:p>
+        </p:txBody>
+      </p:sp>
+    </p:spTree>
+    <p:extLst>
+      <p:ext uri="{BB962C8B-B14F-4D97-AF65-F5344CB8AC3E}">
+        <p14:creationId xmlns:p14="http://schemas.microsoft.com/office/powerpoint/2010/main" val="2164095317"/>
+      </p:ext>
+    </p:extLst>
+  </p:cSld>
+  <p:clrMapOvr>
+    <a:masterClrMapping/>
+  </p:clrMapOvr>
+</p:sld>
+</file>
+
+<file path=ppt/slides/slide18.xml><?xml version="1.0" encoding="utf-8"?>
+<p:sld xmlns:a="http://schemas.openxmlformats.org/drawingml/2006/main" xmlns:r="http://schemas.openxmlformats.org/officeDocument/2006/relationships" xmlns:p="http://schemas.openxmlformats.org/presentationml/2006/main">
+  <p:cSld>
+    <p:spTree>
+      <p:nvGrpSpPr>
+        <p:cNvPr id="1" name=""/>
+        <p:cNvGrpSpPr/>
+        <p:nvPr/>
+      </p:nvGrpSpPr>
+      <p:grpSpPr>
+        <a:xfrm>
+          <a:off x="0" y="0"/>
+          <a:ext cx="0" cy="0"/>
+          <a:chOff x="0" y="0"/>
+          <a:chExt cx="0" cy="0"/>
+        </a:xfrm>
+      </p:grpSpPr>
+      <p:sp>
+        <p:nvSpPr>
+          <p:cNvPr id="2" name="Titel 1"/>
+          <p:cNvSpPr>
+            <a:spLocks noGrp="1"/>
+          </p:cNvSpPr>
+          <p:nvPr>
+            <p:ph type="title"/>
+          </p:nvPr>
+        </p:nvSpPr>
+        <p:spPr/>
+        <p:txBody>
+          <a:bodyPr/>
+          <a:lstStyle/>
+          <a:p>
+            <a:r>
+              <a:rPr lang="de-CH" dirty="0"/>
+              <a:t>Quiz-Solution</a:t>
+            </a:r>
+          </a:p>
+        </p:txBody>
+      </p:sp>
+      <p:sp>
+        <p:nvSpPr>
+          <p:cNvPr id="3" name="Inhaltsplatzhalter 2"/>
+          <p:cNvSpPr>
+            <a:spLocks noGrp="1"/>
+          </p:cNvSpPr>
+          <p:nvPr>
+            <p:ph idx="1"/>
+          </p:nvPr>
+        </p:nvSpPr>
+        <p:spPr/>
+        <p:txBody>
+          <a:bodyPr/>
+          <a:lstStyle/>
+          <a:p>
+            <a:r>
+              <a:rPr lang="de-CH" dirty="0" err="1"/>
+              <a:t>Whats</a:t>
+            </a:r>
+            <a:r>
+              <a:rPr lang="de-CH" dirty="0"/>
+              <a:t> </a:t>
+            </a:r>
+            <a:r>
+              <a:rPr lang="de-CH" dirty="0" err="1"/>
+              <a:t>the</a:t>
+            </a:r>
+            <a:r>
+              <a:rPr lang="de-CH" dirty="0"/>
+              <a:t> </a:t>
+            </a:r>
+            <a:r>
+              <a:rPr lang="de-CH" dirty="0" err="1"/>
+              <a:t>reason</a:t>
+            </a:r>
+            <a:r>
+              <a:rPr lang="de-CH" dirty="0"/>
+              <a:t> </a:t>
+            </a:r>
+            <a:r>
+              <a:rPr lang="de-CH" dirty="0" err="1"/>
+              <a:t>for</a:t>
+            </a:r>
+            <a:r>
+              <a:rPr lang="de-CH" dirty="0"/>
+              <a:t> </a:t>
+            </a:r>
+            <a:r>
+              <a:rPr lang="de-CH" dirty="0" err="1"/>
+              <a:t>useing</a:t>
+            </a:r>
+            <a:r>
+              <a:rPr lang="de-CH" dirty="0"/>
+              <a:t> </a:t>
+            </a:r>
+            <a:r>
+              <a:rPr lang="de-CH" dirty="0" err="1"/>
+              <a:t>Clock</a:t>
+            </a:r>
+            <a:r>
+              <a:rPr lang="de-CH" dirty="0"/>
+              <a:t> &amp; </a:t>
+            </a:r>
+            <a:r>
+              <a:rPr lang="de-CH" dirty="0" err="1"/>
+              <a:t>Timer</a:t>
+            </a:r>
+            <a:r>
+              <a:rPr lang="de-CH" dirty="0"/>
+              <a:t>? </a:t>
+            </a:r>
+          </a:p>
+          <a:p>
+            <a:endParaRPr lang="de-CH" dirty="0"/>
+          </a:p>
+          <a:p>
+            <a:r>
+              <a:rPr lang="de-CH" dirty="0" err="1"/>
+              <a:t>Linkage</a:t>
+            </a:r>
+            <a:r>
+              <a:rPr lang="de-CH" dirty="0"/>
+              <a:t> </a:t>
+            </a:r>
+            <a:r>
+              <a:rPr lang="de-CH" dirty="0" err="1"/>
+              <a:t>to</a:t>
+            </a:r>
+            <a:r>
+              <a:rPr lang="de-CH" dirty="0"/>
+              <a:t> </a:t>
+            </a:r>
+            <a:r>
+              <a:rPr lang="de-CH" dirty="0" err="1"/>
+              <a:t>the</a:t>
+            </a:r>
+            <a:r>
+              <a:rPr lang="de-CH" dirty="0"/>
+              <a:t> real time</a:t>
+            </a:r>
+          </a:p>
+          <a:p>
+            <a:endParaRPr lang="de-CH" dirty="0"/>
+          </a:p>
+        </p:txBody>
+      </p:sp>
+    </p:spTree>
+    <p:extLst>
+      <p:ext uri="{BB962C8B-B14F-4D97-AF65-F5344CB8AC3E}">
+        <p14:creationId xmlns:p14="http://schemas.microsoft.com/office/powerpoint/2010/main" val="3775634888"/>
+      </p:ext>
+    </p:extLst>
+  </p:cSld>
+  <p:clrMapOvr>
+    <a:masterClrMapping/>
+  </p:clrMapOvr>
+</p:sld>
+</file>
+
+<file path=ppt/slides/slide19.xml><?xml version="1.0" encoding="utf-8"?>
+<p:sld xmlns:a="http://schemas.openxmlformats.org/drawingml/2006/main" xmlns:r="http://schemas.openxmlformats.org/officeDocument/2006/relationships" xmlns:p="http://schemas.openxmlformats.org/presentationml/2006/main">
+  <p:cSld>
+    <p:spTree>
+      <p:nvGrpSpPr>
+        <p:cNvPr id="1" name=""/>
+        <p:cNvGrpSpPr/>
+        <p:nvPr/>
+      </p:nvGrpSpPr>
+      <p:grpSpPr>
+        <a:xfrm>
+          <a:off x="0" y="0"/>
+          <a:ext cx="0" cy="0"/>
+          <a:chOff x="0" y="0"/>
+          <a:chExt cx="0" cy="0"/>
+        </a:xfrm>
+      </p:grpSpPr>
+      <p:sp>
+        <p:nvSpPr>
+          <p:cNvPr id="2" name="Titel 1"/>
+          <p:cNvSpPr>
+            <a:spLocks noGrp="1"/>
+          </p:cNvSpPr>
+          <p:nvPr>
+            <p:ph type="title"/>
+          </p:nvPr>
+        </p:nvSpPr>
+        <p:spPr/>
+        <p:txBody>
+          <a:bodyPr/>
+          <a:lstStyle/>
+          <a:p>
+            <a:r>
+              <a:rPr lang="de-CH" dirty="0"/>
+              <a:t>End</a:t>
+            </a:r>
+          </a:p>
+        </p:txBody>
+      </p:sp>
+      <p:sp>
+        <p:nvSpPr>
+          <p:cNvPr id="3" name="Inhaltsplatzhalter 2"/>
+          <p:cNvSpPr>
+            <a:spLocks noGrp="1"/>
+          </p:cNvSpPr>
+          <p:nvPr>
+            <p:ph idx="1"/>
+          </p:nvPr>
+        </p:nvSpPr>
+        <p:spPr/>
+        <p:txBody>
+          <a:bodyPr/>
+          <a:lstStyle/>
+          <a:p>
+            <a:endParaRPr lang="de-CH"/>
+          </a:p>
+        </p:txBody>
+      </p:sp>
+    </p:spTree>
+    <p:extLst>
+      <p:ext uri="{BB962C8B-B14F-4D97-AF65-F5344CB8AC3E}">
+        <p14:creationId xmlns:p14="http://schemas.microsoft.com/office/powerpoint/2010/main" val="3452734087"/>
       </p:ext>
     </p:extLst>
   </p:cSld>
@@ -4657,14 +5263,14 @@
           </a:ln>
         </p:spPr>
         <p:style>
-          <a:lnRef idx="1">
-            <a:schemeClr val="dk1"/>
+          <a:lnRef idx="3">
+            <a:schemeClr val="accent2"/>
           </a:lnRef>
           <a:fillRef idx="0">
-            <a:schemeClr val="dk1"/>
+            <a:schemeClr val="accent2"/>
           </a:fillRef>
-          <a:effectRef idx="0">
-            <a:schemeClr val="dk1"/>
+          <a:effectRef idx="2">
+            <a:schemeClr val="accent2"/>
           </a:effectRef>
           <a:fontRef idx="minor">
             <a:schemeClr val="tx1"/>
